--- a/instructor/l06/l06-pad.pptx
+++ b/instructor/l06/l06-pad.pptx
@@ -251,7 +251,7 @@
           <a:p>
             <a:fld id="{DFEE7296-98E2-144D-9918-2661B681BC93}" type="datetimeFigureOut">
               <a:rPr lang="en-US" smtClean="0"/>
-              <a:t>1/26/23</a:t>
+              <a:t>9/25/23</a:t>
             </a:fld>
             <a:endParaRPr lang="en-US"/>
           </a:p>
@@ -421,7 +421,7 @@
           <a:p>
             <a:fld id="{DFEE7296-98E2-144D-9918-2661B681BC93}" type="datetimeFigureOut">
               <a:rPr lang="en-US" smtClean="0"/>
-              <a:t>1/26/23</a:t>
+              <a:t>9/25/23</a:t>
             </a:fld>
             <a:endParaRPr lang="en-US"/>
           </a:p>
@@ -601,7 +601,7 @@
           <a:p>
             <a:fld id="{DFEE7296-98E2-144D-9918-2661B681BC93}" type="datetimeFigureOut">
               <a:rPr lang="en-US" smtClean="0"/>
-              <a:t>1/26/23</a:t>
+              <a:t>9/25/23</a:t>
             </a:fld>
             <a:endParaRPr lang="en-US"/>
           </a:p>
@@ -771,7 +771,7 @@
           <a:p>
             <a:fld id="{DFEE7296-98E2-144D-9918-2661B681BC93}" type="datetimeFigureOut">
               <a:rPr lang="en-US" smtClean="0"/>
-              <a:t>1/26/23</a:t>
+              <a:t>9/25/23</a:t>
             </a:fld>
             <a:endParaRPr lang="en-US"/>
           </a:p>
@@ -1015,7 +1015,7 @@
           <a:p>
             <a:fld id="{DFEE7296-98E2-144D-9918-2661B681BC93}" type="datetimeFigureOut">
               <a:rPr lang="en-US" smtClean="0"/>
-              <a:t>1/26/23</a:t>
+              <a:t>9/25/23</a:t>
             </a:fld>
             <a:endParaRPr lang="en-US"/>
           </a:p>
@@ -1247,7 +1247,7 @@
           <a:p>
             <a:fld id="{DFEE7296-98E2-144D-9918-2661B681BC93}" type="datetimeFigureOut">
               <a:rPr lang="en-US" smtClean="0"/>
-              <a:t>1/26/23</a:t>
+              <a:t>9/25/23</a:t>
             </a:fld>
             <a:endParaRPr lang="en-US"/>
           </a:p>
@@ -1614,7 +1614,7 @@
           <a:p>
             <a:fld id="{DFEE7296-98E2-144D-9918-2661B681BC93}" type="datetimeFigureOut">
               <a:rPr lang="en-US" smtClean="0"/>
-              <a:t>1/26/23</a:t>
+              <a:t>9/25/23</a:t>
             </a:fld>
             <a:endParaRPr lang="en-US"/>
           </a:p>
@@ -1732,7 +1732,7 @@
           <a:p>
             <a:fld id="{DFEE7296-98E2-144D-9918-2661B681BC93}" type="datetimeFigureOut">
               <a:rPr lang="en-US" smtClean="0"/>
-              <a:t>1/26/23</a:t>
+              <a:t>9/25/23</a:t>
             </a:fld>
             <a:endParaRPr lang="en-US"/>
           </a:p>
@@ -1827,7 +1827,7 @@
           <a:p>
             <a:fld id="{DFEE7296-98E2-144D-9918-2661B681BC93}" type="datetimeFigureOut">
               <a:rPr lang="en-US" smtClean="0"/>
-              <a:t>1/26/23</a:t>
+              <a:t>9/25/23</a:t>
             </a:fld>
             <a:endParaRPr lang="en-US"/>
           </a:p>
@@ -2104,7 +2104,7 @@
           <a:p>
             <a:fld id="{DFEE7296-98E2-144D-9918-2661B681BC93}" type="datetimeFigureOut">
               <a:rPr lang="en-US" smtClean="0"/>
-              <a:t>1/26/23</a:t>
+              <a:t>9/25/23</a:t>
             </a:fld>
             <a:endParaRPr lang="en-US"/>
           </a:p>
@@ -2361,7 +2361,7 @@
           <a:p>
             <a:fld id="{DFEE7296-98E2-144D-9918-2661B681BC93}" type="datetimeFigureOut">
               <a:rPr lang="en-US" smtClean="0"/>
-              <a:t>1/26/23</a:t>
+              <a:t>9/25/23</a:t>
             </a:fld>
             <a:endParaRPr lang="en-US"/>
           </a:p>
@@ -2574,7 +2574,7 @@
           <a:p>
             <a:fld id="{DFEE7296-98E2-144D-9918-2661B681BC93}" type="datetimeFigureOut">
               <a:rPr lang="en-US" smtClean="0"/>
-              <a:t>1/26/23</a:t>
+              <a:t>9/25/23</a:t>
             </a:fld>
             <a:endParaRPr lang="en-US"/>
           </a:p>
@@ -3032,7 +3032,7 @@
           <a:p>
             <a:r>
               <a:rPr lang="en-US" dirty="0"/>
-              <a:t>I know that the detailed instructions matter, and I will read them this weekend</a:t>
+              <a:t>I know that the detailed instructions matter, and I will read them this week.</a:t>
             </a:r>
           </a:p>
           <a:p>
@@ -3064,14 +3064,10 @@
           <a:p>
             <a:r>
               <a:rPr lang="en-US" dirty="0"/>
-              <a:t>I know that if I don’t follow a problem statement carefully I will lose many </a:t>
-            </a:r>
-            <a:r>
-              <a:rPr lang="en-US"/>
-              <a:t>points.</a:t>
+              <a:t>I know that if I don’t follow a problem statement carefully I will lose many points.</a:t>
             </a:r>
             <a:br>
-              <a:rPr lang="en-US"/>
+              <a:rPr lang="en-US" dirty="0"/>
             </a:br>
             <a:endParaRPr lang="en-US" dirty="0"/>
           </a:p>
@@ -3100,7 +3096,7 @@
             </a:r>
             <a:r>
               <a:rPr lang="en-US" dirty="0"/>
-              <a:t> read the instructions, not going to pay attention to the details, my grade is what it is</a:t>
+              <a:t> read the instructions, not going to pay attention to the details, my grade will be what it will be</a:t>
             </a:r>
           </a:p>
         </p:txBody>
@@ -3874,8 +3870,8 @@
         </p:nvSpPr>
         <p:spPr>
           <a:xfrm>
-            <a:off x="282102" y="1044926"/>
-            <a:ext cx="8414426" cy="1815882"/>
+            <a:off x="282102" y="822811"/>
+            <a:ext cx="8861898" cy="1569660"/>
           </a:xfrm>
           <a:prstGeom prst="rect">
             <a:avLst/>
@@ -3889,32 +3885,55 @@
           <a:lstStyle/>
           <a:p>
             <a:r>
-              <a:rPr lang="en-US" sz="2800" dirty="0">
+              <a:rPr lang="en-US" sz="2400" dirty="0">
                 <a:solidFill>
                   <a:srgbClr val="FF0000"/>
                 </a:solidFill>
               </a:rPr>
-              <a:t>result of natural recursion will be correct “if and only if” 	correct base case result </a:t>
-            </a:r>
-          </a:p>
-          <a:p>
-            <a:r>
-              <a:rPr lang="en-US" sz="2800" dirty="0">
+              <a:t>result of natural recursion (RNR) will be correct </a:t>
+            </a:r>
+            <a:r>
+              <a:rPr lang="en-US" sz="2400" u="sng" dirty="0">
                 <a:solidFill>
                   <a:srgbClr val="FF0000"/>
                 </a:solidFill>
               </a:rPr>
-              <a:t>	correct contribution of first</a:t>
-            </a:r>
-          </a:p>
-          <a:p>
-            <a:r>
-              <a:rPr lang="en-US" sz="2800" dirty="0">
+              <a:t>if and only if </a:t>
+            </a:r>
+            <a:endParaRPr lang="en-US" sz="2400" dirty="0">
+              <a:solidFill>
+                <a:srgbClr val="FF0000"/>
+              </a:solidFill>
+            </a:endParaRPr>
+          </a:p>
+          <a:p>
+            <a:r>
+              <a:rPr lang="en-US" sz="2400" dirty="0">
                 <a:solidFill>
                   <a:srgbClr val="FF0000"/>
                 </a:solidFill>
               </a:rPr>
-              <a:t>      correct combination of contribution and RNR</a:t>
+              <a:t>  - correct base case result </a:t>
+            </a:r>
+          </a:p>
+          <a:p>
+            <a:r>
+              <a:rPr lang="en-US" sz="2400" dirty="0">
+                <a:solidFill>
+                  <a:srgbClr val="FF0000"/>
+                </a:solidFill>
+              </a:rPr>
+              <a:t>  - correct contribution of first</a:t>
+            </a:r>
+          </a:p>
+          <a:p>
+            <a:r>
+              <a:rPr lang="en-US" sz="2400" dirty="0">
+                <a:solidFill>
+                  <a:srgbClr val="FF0000"/>
+                </a:solidFill>
+              </a:rPr>
+              <a:t>  - correct combination of contribution and RNR</a:t>
             </a:r>
           </a:p>
         </p:txBody>

--- a/instructor/l06/l06-pad.pptx
+++ b/instructor/l06/l06-pad.pptx
@@ -4,16 +4,20 @@
   <p:sldMasterIdLst>
     <p:sldMasterId id="2147483660" r:id="rId1"/>
   </p:sldMasterIdLst>
+  <p:notesMasterIdLst>
+    <p:notesMasterId r:id="rId12"/>
+  </p:notesMasterIdLst>
   <p:sldIdLst>
     <p:sldId id="263" r:id="rId2"/>
-    <p:sldId id="257" r:id="rId3"/>
-    <p:sldId id="256" r:id="rId4"/>
-    <p:sldId id="258" r:id="rId5"/>
-    <p:sldId id="259" r:id="rId6"/>
-    <p:sldId id="264" r:id="rId7"/>
-    <p:sldId id="262" r:id="rId8"/>
-    <p:sldId id="260" r:id="rId9"/>
-    <p:sldId id="261" r:id="rId10"/>
+    <p:sldId id="265" r:id="rId3"/>
+    <p:sldId id="257" r:id="rId4"/>
+    <p:sldId id="256" r:id="rId5"/>
+    <p:sldId id="258" r:id="rId6"/>
+    <p:sldId id="259" r:id="rId7"/>
+    <p:sldId id="264" r:id="rId8"/>
+    <p:sldId id="262" r:id="rId9"/>
+    <p:sldId id="260" r:id="rId10"/>
+    <p:sldId id="261" r:id="rId11"/>
   </p:sldIdLst>
   <p:sldSz cx="9144000" cy="6858000" type="letter"/>
   <p:notesSz cx="6858000" cy="9144000"/>
@@ -120,6 +124,439 @@
 </p:presentation>
 </file>
 
+<file path=ppt/notesMasters/notesMaster1.xml><?xml version="1.0" encoding="utf-8"?>
+<p:notesMaster xmlns:a="http://schemas.openxmlformats.org/drawingml/2006/main" xmlns:r="http://schemas.openxmlformats.org/officeDocument/2006/relationships" xmlns:p="http://schemas.openxmlformats.org/presentationml/2006/main">
+  <p:cSld>
+    <p:bg>
+      <p:bgRef idx="1001">
+        <a:schemeClr val="bg1"/>
+      </p:bgRef>
+    </p:bg>
+    <p:spTree>
+      <p:nvGrpSpPr>
+        <p:cNvPr id="1" name=""/>
+        <p:cNvGrpSpPr/>
+        <p:nvPr/>
+      </p:nvGrpSpPr>
+      <p:grpSpPr>
+        <a:xfrm>
+          <a:off x="0" y="0"/>
+          <a:ext cx="0" cy="0"/>
+          <a:chOff x="0" y="0"/>
+          <a:chExt cx="0" cy="0"/>
+        </a:xfrm>
+      </p:grpSpPr>
+      <p:sp>
+        <p:nvSpPr>
+          <p:cNvPr id="2" name="Header Placeholder 1"/>
+          <p:cNvSpPr>
+            <a:spLocks noGrp="1"/>
+          </p:cNvSpPr>
+          <p:nvPr>
+            <p:ph type="hdr" sz="quarter"/>
+          </p:nvPr>
+        </p:nvSpPr>
+        <p:spPr>
+          <a:xfrm>
+            <a:off x="0" y="0"/>
+            <a:ext cx="2971800" cy="458788"/>
+          </a:xfrm>
+          <a:prstGeom prst="rect">
+            <a:avLst/>
+          </a:prstGeom>
+        </p:spPr>
+        <p:txBody>
+          <a:bodyPr vert="horz" lIns="91440" tIns="45720" rIns="91440" bIns="45720" rtlCol="0"/>
+          <a:lstStyle>
+            <a:lvl1pPr algn="l">
+              <a:defRPr sz="1200"/>
+            </a:lvl1pPr>
+          </a:lstStyle>
+          <a:p>
+            <a:endParaRPr lang="en-US"/>
+          </a:p>
+        </p:txBody>
+      </p:sp>
+      <p:sp>
+        <p:nvSpPr>
+          <p:cNvPr id="3" name="Date Placeholder 2"/>
+          <p:cNvSpPr>
+            <a:spLocks noGrp="1"/>
+          </p:cNvSpPr>
+          <p:nvPr>
+            <p:ph type="dt" idx="1"/>
+          </p:nvPr>
+        </p:nvSpPr>
+        <p:spPr>
+          <a:xfrm>
+            <a:off x="3884613" y="0"/>
+            <a:ext cx="2971800" cy="458788"/>
+          </a:xfrm>
+          <a:prstGeom prst="rect">
+            <a:avLst/>
+          </a:prstGeom>
+        </p:spPr>
+        <p:txBody>
+          <a:bodyPr vert="horz" lIns="91440" tIns="45720" rIns="91440" bIns="45720" rtlCol="0"/>
+          <a:lstStyle>
+            <a:lvl1pPr algn="r">
+              <a:defRPr sz="1200"/>
+            </a:lvl1pPr>
+          </a:lstStyle>
+          <a:p>
+            <a:fld id="{71C36DBF-C0DA-3341-8ADE-33660E8D97CE}" type="datetimeFigureOut">
+              <a:rPr lang="en-US" smtClean="0"/>
+              <a:t>1/25/24</a:t>
+            </a:fld>
+            <a:endParaRPr lang="en-US"/>
+          </a:p>
+        </p:txBody>
+      </p:sp>
+      <p:sp>
+        <p:nvSpPr>
+          <p:cNvPr id="4" name="Slide Image Placeholder 3"/>
+          <p:cNvSpPr>
+            <a:spLocks noGrp="1" noRot="1" noChangeAspect="1"/>
+          </p:cNvSpPr>
+          <p:nvPr>
+            <p:ph type="sldImg" idx="2"/>
+          </p:nvPr>
+        </p:nvSpPr>
+        <p:spPr>
+          <a:xfrm>
+            <a:off x="1371600" y="1143000"/>
+            <a:ext cx="4114800" cy="3086100"/>
+          </a:xfrm>
+          <a:prstGeom prst="rect">
+            <a:avLst/>
+          </a:prstGeom>
+          <a:noFill/>
+          <a:ln w="12700">
+            <a:solidFill>
+              <a:prstClr val="black"/>
+            </a:solidFill>
+          </a:ln>
+        </p:spPr>
+        <p:txBody>
+          <a:bodyPr vert="horz" lIns="91440" tIns="45720" rIns="91440" bIns="45720" rtlCol="0" anchor="ctr"/>
+          <a:lstStyle/>
+          <a:p>
+            <a:endParaRPr lang="en-US"/>
+          </a:p>
+        </p:txBody>
+      </p:sp>
+      <p:sp>
+        <p:nvSpPr>
+          <p:cNvPr id="5" name="Notes Placeholder 4"/>
+          <p:cNvSpPr>
+            <a:spLocks noGrp="1"/>
+          </p:cNvSpPr>
+          <p:nvPr>
+            <p:ph type="body" sz="quarter" idx="3"/>
+          </p:nvPr>
+        </p:nvSpPr>
+        <p:spPr>
+          <a:xfrm>
+            <a:off x="685800" y="4400550"/>
+            <a:ext cx="5486400" cy="3600450"/>
+          </a:xfrm>
+          <a:prstGeom prst="rect">
+            <a:avLst/>
+          </a:prstGeom>
+        </p:spPr>
+        <p:txBody>
+          <a:bodyPr vert="horz" lIns="91440" tIns="45720" rIns="91440" bIns="45720" rtlCol="0"/>
+          <a:lstStyle/>
+          <a:p>
+            <a:pPr lvl="0"/>
+            <a:r>
+              <a:rPr lang="en-US"/>
+              <a:t>Click to edit Master text styles</a:t>
+            </a:r>
+          </a:p>
+          <a:p>
+            <a:pPr lvl="1"/>
+            <a:r>
+              <a:rPr lang="en-US"/>
+              <a:t>Second level</a:t>
+            </a:r>
+          </a:p>
+          <a:p>
+            <a:pPr lvl="2"/>
+            <a:r>
+              <a:rPr lang="en-US"/>
+              <a:t>Third level</a:t>
+            </a:r>
+          </a:p>
+          <a:p>
+            <a:pPr lvl="3"/>
+            <a:r>
+              <a:rPr lang="en-US"/>
+              <a:t>Fourth level</a:t>
+            </a:r>
+          </a:p>
+          <a:p>
+            <a:pPr lvl="4"/>
+            <a:r>
+              <a:rPr lang="en-US"/>
+              <a:t>Fifth level</a:t>
+            </a:r>
+          </a:p>
+        </p:txBody>
+      </p:sp>
+      <p:sp>
+        <p:nvSpPr>
+          <p:cNvPr id="6" name="Footer Placeholder 5"/>
+          <p:cNvSpPr>
+            <a:spLocks noGrp="1"/>
+          </p:cNvSpPr>
+          <p:nvPr>
+            <p:ph type="ftr" sz="quarter" idx="4"/>
+          </p:nvPr>
+        </p:nvSpPr>
+        <p:spPr>
+          <a:xfrm>
+            <a:off x="0" y="8685213"/>
+            <a:ext cx="2971800" cy="458787"/>
+          </a:xfrm>
+          <a:prstGeom prst="rect">
+            <a:avLst/>
+          </a:prstGeom>
+        </p:spPr>
+        <p:txBody>
+          <a:bodyPr vert="horz" lIns="91440" tIns="45720" rIns="91440" bIns="45720" rtlCol="0" anchor="b"/>
+          <a:lstStyle>
+            <a:lvl1pPr algn="l">
+              <a:defRPr sz="1200"/>
+            </a:lvl1pPr>
+          </a:lstStyle>
+          <a:p>
+            <a:endParaRPr lang="en-US"/>
+          </a:p>
+        </p:txBody>
+      </p:sp>
+      <p:sp>
+        <p:nvSpPr>
+          <p:cNvPr id="7" name="Slide Number Placeholder 6"/>
+          <p:cNvSpPr>
+            <a:spLocks noGrp="1"/>
+          </p:cNvSpPr>
+          <p:nvPr>
+            <p:ph type="sldNum" sz="quarter" idx="5"/>
+          </p:nvPr>
+        </p:nvSpPr>
+        <p:spPr>
+          <a:xfrm>
+            <a:off x="3884613" y="8685213"/>
+            <a:ext cx="2971800" cy="458787"/>
+          </a:xfrm>
+          <a:prstGeom prst="rect">
+            <a:avLst/>
+          </a:prstGeom>
+        </p:spPr>
+        <p:txBody>
+          <a:bodyPr vert="horz" lIns="91440" tIns="45720" rIns="91440" bIns="45720" rtlCol="0" anchor="b"/>
+          <a:lstStyle>
+            <a:lvl1pPr algn="r">
+              <a:defRPr sz="1200"/>
+            </a:lvl1pPr>
+          </a:lstStyle>
+          <a:p>
+            <a:fld id="{F821A302-EAAD-604A-BC7E-656AA0E5375C}" type="slidenum">
+              <a:rPr lang="en-US" smtClean="0"/>
+              <a:t>‹#›</a:t>
+            </a:fld>
+            <a:endParaRPr lang="en-US"/>
+          </a:p>
+        </p:txBody>
+      </p:sp>
+    </p:spTree>
+    <p:extLst>
+      <p:ext uri="{BB962C8B-B14F-4D97-AF65-F5344CB8AC3E}">
+        <p14:creationId xmlns:p14="http://schemas.microsoft.com/office/powerpoint/2010/main" val="4189991233"/>
+      </p:ext>
+    </p:extLst>
+  </p:cSld>
+  <p:clrMap bg1="lt1" tx1="dk1" bg2="lt2" tx2="dk2" accent1="accent1" accent2="accent2" accent3="accent3" accent4="accent4" accent5="accent5" accent6="accent6" hlink="hlink" folHlink="folHlink"/>
+  <p:notesStyle>
+    <a:lvl1pPr marL="0" algn="l" defTabSz="914400" rtl="0" eaLnBrk="1" latinLnBrk="0" hangingPunct="1">
+      <a:defRPr sz="1200" kern="1200">
+        <a:solidFill>
+          <a:schemeClr val="tx1"/>
+        </a:solidFill>
+        <a:latin typeface="+mn-lt"/>
+        <a:ea typeface="+mn-ea"/>
+        <a:cs typeface="+mn-cs"/>
+      </a:defRPr>
+    </a:lvl1pPr>
+    <a:lvl2pPr marL="457200" algn="l" defTabSz="914400" rtl="0" eaLnBrk="1" latinLnBrk="0" hangingPunct="1">
+      <a:defRPr sz="1200" kern="1200">
+        <a:solidFill>
+          <a:schemeClr val="tx1"/>
+        </a:solidFill>
+        <a:latin typeface="+mn-lt"/>
+        <a:ea typeface="+mn-ea"/>
+        <a:cs typeface="+mn-cs"/>
+      </a:defRPr>
+    </a:lvl2pPr>
+    <a:lvl3pPr marL="914400" algn="l" defTabSz="914400" rtl="0" eaLnBrk="1" latinLnBrk="0" hangingPunct="1">
+      <a:defRPr sz="1200" kern="1200">
+        <a:solidFill>
+          <a:schemeClr val="tx1"/>
+        </a:solidFill>
+        <a:latin typeface="+mn-lt"/>
+        <a:ea typeface="+mn-ea"/>
+        <a:cs typeface="+mn-cs"/>
+      </a:defRPr>
+    </a:lvl3pPr>
+    <a:lvl4pPr marL="1371600" algn="l" defTabSz="914400" rtl="0" eaLnBrk="1" latinLnBrk="0" hangingPunct="1">
+      <a:defRPr sz="1200" kern="1200">
+        <a:solidFill>
+          <a:schemeClr val="tx1"/>
+        </a:solidFill>
+        <a:latin typeface="+mn-lt"/>
+        <a:ea typeface="+mn-ea"/>
+        <a:cs typeface="+mn-cs"/>
+      </a:defRPr>
+    </a:lvl4pPr>
+    <a:lvl5pPr marL="1828800" algn="l" defTabSz="914400" rtl="0" eaLnBrk="1" latinLnBrk="0" hangingPunct="1">
+      <a:defRPr sz="1200" kern="1200">
+        <a:solidFill>
+          <a:schemeClr val="tx1"/>
+        </a:solidFill>
+        <a:latin typeface="+mn-lt"/>
+        <a:ea typeface="+mn-ea"/>
+        <a:cs typeface="+mn-cs"/>
+      </a:defRPr>
+    </a:lvl5pPr>
+    <a:lvl6pPr marL="2286000" algn="l" defTabSz="914400" rtl="0" eaLnBrk="1" latinLnBrk="0" hangingPunct="1">
+      <a:defRPr sz="1200" kern="1200">
+        <a:solidFill>
+          <a:schemeClr val="tx1"/>
+        </a:solidFill>
+        <a:latin typeface="+mn-lt"/>
+        <a:ea typeface="+mn-ea"/>
+        <a:cs typeface="+mn-cs"/>
+      </a:defRPr>
+    </a:lvl6pPr>
+    <a:lvl7pPr marL="2743200" algn="l" defTabSz="914400" rtl="0" eaLnBrk="1" latinLnBrk="0" hangingPunct="1">
+      <a:defRPr sz="1200" kern="1200">
+        <a:solidFill>
+          <a:schemeClr val="tx1"/>
+        </a:solidFill>
+        <a:latin typeface="+mn-lt"/>
+        <a:ea typeface="+mn-ea"/>
+        <a:cs typeface="+mn-cs"/>
+      </a:defRPr>
+    </a:lvl7pPr>
+    <a:lvl8pPr marL="3200400" algn="l" defTabSz="914400" rtl="0" eaLnBrk="1" latinLnBrk="0" hangingPunct="1">
+      <a:defRPr sz="1200" kern="1200">
+        <a:solidFill>
+          <a:schemeClr val="tx1"/>
+        </a:solidFill>
+        <a:latin typeface="+mn-lt"/>
+        <a:ea typeface="+mn-ea"/>
+        <a:cs typeface="+mn-cs"/>
+      </a:defRPr>
+    </a:lvl8pPr>
+    <a:lvl9pPr marL="3657600" algn="l" defTabSz="914400" rtl="0" eaLnBrk="1" latinLnBrk="0" hangingPunct="1">
+      <a:defRPr sz="1200" kern="1200">
+        <a:solidFill>
+          <a:schemeClr val="tx1"/>
+        </a:solidFill>
+        <a:latin typeface="+mn-lt"/>
+        <a:ea typeface="+mn-ea"/>
+        <a:cs typeface="+mn-cs"/>
+      </a:defRPr>
+    </a:lvl9pPr>
+  </p:notesStyle>
+</p:notesMaster>
+</file>
+
+<file path=ppt/notesSlides/notesSlide1.xml><?xml version="1.0" encoding="utf-8"?>
+<p:notes xmlns:a="http://schemas.openxmlformats.org/drawingml/2006/main" xmlns:r="http://schemas.openxmlformats.org/officeDocument/2006/relationships" xmlns:p="http://schemas.openxmlformats.org/presentationml/2006/main">
+  <p:cSld>
+    <p:spTree>
+      <p:nvGrpSpPr>
+        <p:cNvPr id="1" name=""/>
+        <p:cNvGrpSpPr/>
+        <p:nvPr/>
+      </p:nvGrpSpPr>
+      <p:grpSpPr>
+        <a:xfrm>
+          <a:off x="0" y="0"/>
+          <a:ext cx="0" cy="0"/>
+          <a:chOff x="0" y="0"/>
+          <a:chExt cx="0" cy="0"/>
+        </a:xfrm>
+      </p:grpSpPr>
+      <p:sp>
+        <p:nvSpPr>
+          <p:cNvPr id="2" name="Slide Image Placeholder 1"/>
+          <p:cNvSpPr>
+            <a:spLocks noGrp="1" noRot="1" noChangeAspect="1"/>
+          </p:cNvSpPr>
+          <p:nvPr>
+            <p:ph type="sldImg"/>
+          </p:nvPr>
+        </p:nvSpPr>
+        <p:spPr/>
+      </p:sp>
+      <p:sp>
+        <p:nvSpPr>
+          <p:cNvPr id="3" name="Notes Placeholder 2"/>
+          <p:cNvSpPr>
+            <a:spLocks noGrp="1"/>
+          </p:cNvSpPr>
+          <p:nvPr>
+            <p:ph type="body" idx="1"/>
+          </p:nvPr>
+        </p:nvSpPr>
+        <p:spPr/>
+        <p:txBody>
+          <a:bodyPr/>
+          <a:lstStyle/>
+          <a:p>
+            <a:endParaRPr lang="en-US" dirty="0"/>
+          </a:p>
+        </p:txBody>
+      </p:sp>
+      <p:sp>
+        <p:nvSpPr>
+          <p:cNvPr id="4" name="Slide Number Placeholder 3"/>
+          <p:cNvSpPr>
+            <a:spLocks noGrp="1"/>
+          </p:cNvSpPr>
+          <p:nvPr>
+            <p:ph type="sldNum" sz="quarter" idx="5"/>
+          </p:nvPr>
+        </p:nvSpPr>
+        <p:spPr/>
+        <p:txBody>
+          <a:bodyPr/>
+          <a:lstStyle/>
+          <a:p>
+            <a:fld id="{F821A302-EAAD-604A-BC7E-656AA0E5375C}" type="slidenum">
+              <a:rPr lang="en-US" smtClean="0"/>
+              <a:t>1</a:t>
+            </a:fld>
+            <a:endParaRPr lang="en-US"/>
+          </a:p>
+        </p:txBody>
+      </p:sp>
+    </p:spTree>
+    <p:extLst>
+      <p:ext uri="{BB962C8B-B14F-4D97-AF65-F5344CB8AC3E}">
+        <p14:creationId xmlns:p14="http://schemas.microsoft.com/office/powerpoint/2010/main" val="1719608720"/>
+      </p:ext>
+    </p:extLst>
+  </p:cSld>
+  <p:clrMapOvr>
+    <a:masterClrMapping/>
+  </p:clrMapOvr>
+</p:notes>
+</file>
+
 <file path=ppt/slideLayouts/slideLayout1.xml><?xml version="1.0" encoding="utf-8"?>
 <p:sldLayout xmlns:a="http://schemas.openxmlformats.org/drawingml/2006/main" xmlns:r="http://schemas.openxmlformats.org/officeDocument/2006/relationships" xmlns:p="http://schemas.openxmlformats.org/presentationml/2006/main" type="title" preserve="1">
   <p:cSld name="Title Slide">
@@ -251,7 +688,7 @@
           <a:p>
             <a:fld id="{DFEE7296-98E2-144D-9918-2661B681BC93}" type="datetimeFigureOut">
               <a:rPr lang="en-US" smtClean="0"/>
-              <a:t>9/25/23</a:t>
+              <a:t>1/24/24</a:t>
             </a:fld>
             <a:endParaRPr lang="en-US"/>
           </a:p>
@@ -421,7 +858,7 @@
           <a:p>
             <a:fld id="{DFEE7296-98E2-144D-9918-2661B681BC93}" type="datetimeFigureOut">
               <a:rPr lang="en-US" smtClean="0"/>
-              <a:t>9/25/23</a:t>
+              <a:t>1/24/24</a:t>
             </a:fld>
             <a:endParaRPr lang="en-US"/>
           </a:p>
@@ -601,7 +1038,7 @@
           <a:p>
             <a:fld id="{DFEE7296-98E2-144D-9918-2661B681BC93}" type="datetimeFigureOut">
               <a:rPr lang="en-US" smtClean="0"/>
-              <a:t>9/25/23</a:t>
+              <a:t>1/24/24</a:t>
             </a:fld>
             <a:endParaRPr lang="en-US"/>
           </a:p>
@@ -771,7 +1208,7 @@
           <a:p>
             <a:fld id="{DFEE7296-98E2-144D-9918-2661B681BC93}" type="datetimeFigureOut">
               <a:rPr lang="en-US" smtClean="0"/>
-              <a:t>9/25/23</a:t>
+              <a:t>1/24/24</a:t>
             </a:fld>
             <a:endParaRPr lang="en-US"/>
           </a:p>
@@ -1015,7 +1452,7 @@
           <a:p>
             <a:fld id="{DFEE7296-98E2-144D-9918-2661B681BC93}" type="datetimeFigureOut">
               <a:rPr lang="en-US" smtClean="0"/>
-              <a:t>9/25/23</a:t>
+              <a:t>1/24/24</a:t>
             </a:fld>
             <a:endParaRPr lang="en-US"/>
           </a:p>
@@ -1247,7 +1684,7 @@
           <a:p>
             <a:fld id="{DFEE7296-98E2-144D-9918-2661B681BC93}" type="datetimeFigureOut">
               <a:rPr lang="en-US" smtClean="0"/>
-              <a:t>9/25/23</a:t>
+              <a:t>1/24/24</a:t>
             </a:fld>
             <a:endParaRPr lang="en-US"/>
           </a:p>
@@ -1614,7 +2051,7 @@
           <a:p>
             <a:fld id="{DFEE7296-98E2-144D-9918-2661B681BC93}" type="datetimeFigureOut">
               <a:rPr lang="en-US" smtClean="0"/>
-              <a:t>9/25/23</a:t>
+              <a:t>1/24/24</a:t>
             </a:fld>
             <a:endParaRPr lang="en-US"/>
           </a:p>
@@ -1732,7 +2169,7 @@
           <a:p>
             <a:fld id="{DFEE7296-98E2-144D-9918-2661B681BC93}" type="datetimeFigureOut">
               <a:rPr lang="en-US" smtClean="0"/>
-              <a:t>9/25/23</a:t>
+              <a:t>1/24/24</a:t>
             </a:fld>
             <a:endParaRPr lang="en-US"/>
           </a:p>
@@ -1827,7 +2264,7 @@
           <a:p>
             <a:fld id="{DFEE7296-98E2-144D-9918-2661B681BC93}" type="datetimeFigureOut">
               <a:rPr lang="en-US" smtClean="0"/>
-              <a:t>9/25/23</a:t>
+              <a:t>1/24/24</a:t>
             </a:fld>
             <a:endParaRPr lang="en-US"/>
           </a:p>
@@ -2104,7 +2541,7 @@
           <a:p>
             <a:fld id="{DFEE7296-98E2-144D-9918-2661B681BC93}" type="datetimeFigureOut">
               <a:rPr lang="en-US" smtClean="0"/>
-              <a:t>9/25/23</a:t>
+              <a:t>1/24/24</a:t>
             </a:fld>
             <a:endParaRPr lang="en-US"/>
           </a:p>
@@ -2361,7 +2798,7 @@
           <a:p>
             <a:fld id="{DFEE7296-98E2-144D-9918-2661B681BC93}" type="datetimeFigureOut">
               <a:rPr lang="en-US" smtClean="0"/>
-              <a:t>9/25/23</a:t>
+              <a:t>1/24/24</a:t>
             </a:fld>
             <a:endParaRPr lang="en-US"/>
           </a:p>
@@ -2574,7 +3011,7 @@
           <a:p>
             <a:fld id="{DFEE7296-98E2-144D-9918-2661B681BC93}" type="datetimeFigureOut">
               <a:rPr lang="en-US" smtClean="0"/>
-              <a:t>9/25/23</a:t>
+              <a:t>1/24/24</a:t>
             </a:fld>
             <a:endParaRPr lang="en-US"/>
           </a:p>
@@ -2995,7 +3432,12 @@
             <p:ph type="title"/>
           </p:nvPr>
         </p:nvSpPr>
-        <p:spPr/>
+        <p:spPr>
+          <a:xfrm>
+            <a:off x="628650" y="159027"/>
+            <a:ext cx="7886700" cy="914399"/>
+          </a:xfrm>
+        </p:spPr>
         <p:txBody>
           <a:bodyPr/>
           <a:lstStyle/>
@@ -3023,48 +3465,61 @@
             <p:ph idx="1"/>
           </p:nvPr>
         </p:nvSpPr>
-        <p:spPr/>
+        <p:spPr>
+          <a:xfrm>
+            <a:off x="628649" y="1162878"/>
+            <a:ext cx="8246993" cy="5536095"/>
+          </a:xfrm>
+        </p:spPr>
         <p:txBody>
           <a:bodyPr>
-            <a:normAutofit fontScale="85000" lnSpcReduction="20000"/>
+            <a:normAutofit/>
           </a:bodyPr>
           <a:lstStyle/>
           <a:p>
             <a:r>
               <a:rPr lang="en-US" dirty="0"/>
-              <a:t>I know that the detailed instructions matter, and I will read them this week.</a:t>
-            </a:r>
-          </a:p>
-          <a:p>
+              <a:t>I know that:</a:t>
+            </a:r>
+          </a:p>
+          <a:p>
+            <a:pPr lvl="1"/>
             <a:r>
               <a:rPr lang="en-US" dirty="0"/>
-              <a:t>I know that the midterm will be mostly </a:t>
+              <a:t>I need to read the exam instructions Piazza post tonight</a:t>
+            </a:r>
+          </a:p>
+          <a:p>
+            <a:pPr lvl="1"/>
+            <a:r>
+              <a:rPr lang="en-US" dirty="0"/>
+              <a:t>the midterm will be all or mostly </a:t>
             </a:r>
             <a:r>
               <a:rPr lang="en-US" dirty="0" err="1"/>
               <a:t>autograded</a:t>
             </a:r>
+            <a:endParaRPr lang="en-US" dirty="0"/>
+          </a:p>
+          <a:p>
+            <a:pPr lvl="1"/>
             <a:r>
               <a:rPr lang="en-US" dirty="0"/>
-              <a:t>.</a:t>
-            </a:r>
-          </a:p>
-          <a:p>
+              <a:t>if I hand in files with “red errors” that file will receive a 0</a:t>
+            </a:r>
+          </a:p>
+          <a:p>
+            <a:pPr lvl="1"/>
             <a:r>
               <a:rPr lang="en-US" dirty="0"/>
-              <a:t>I know that if I hand in files with “red errors” that file will receive a 0.</a:t>
-            </a:r>
-          </a:p>
-          <a:p>
+              <a:t>if I comment out @tags I will lose most of not all points</a:t>
+            </a:r>
+          </a:p>
+          <a:p>
+            <a:pPr lvl="1"/>
             <a:r>
               <a:rPr lang="en-US" dirty="0"/>
-              <a:t>I know that if I comment out @tags I will lose many points.</a:t>
-            </a:r>
-          </a:p>
-          <a:p>
-            <a:r>
-              <a:rPr lang="en-US" dirty="0"/>
-              <a:t>I know that if I don’t follow a problem statement carefully I will lose many points.</a:t>
+              <a:t>if I don’t follow a problem statement carefully I will lose many points</a:t>
             </a:r>
             <a:br>
               <a:rPr lang="en-US" dirty="0"/>
@@ -3078,7 +3533,7 @@
             </a:pPr>
             <a:r>
               <a:rPr lang="en-US" dirty="0"/>
-              <a:t>I would like to get a good grade and will do all the above.</a:t>
+              <a:t>I would like to get a good grade and will pay attention to all the above.</a:t>
             </a:r>
           </a:p>
           <a:p>
@@ -3088,15 +3543,7 @@
             </a:pPr>
             <a:r>
               <a:rPr lang="en-US" dirty="0"/>
-              <a:t>Nope, not </a:t>
-            </a:r>
-            <a:r>
-              <a:rPr lang="en-US" dirty="0" err="1"/>
-              <a:t>gonna</a:t>
-            </a:r>
-            <a:r>
-              <a:rPr lang="en-US" dirty="0"/>
-              <a:t> read the instructions, not going to pay attention to the details, my grade will be what it will be</a:t>
+              <a:t>Nope, not going to read the instructions, not going to pay attention to the details, my grade will be what it will be</a:t>
             </a:r>
           </a:p>
         </p:txBody>
@@ -3114,1734 +3561,7 @@
 </p:sld>
 </file>
 
-<file path=ppt/slides/slide2.xml><?xml version="1.0" encoding="utf-8"?>
-<p:sld xmlns:a="http://schemas.openxmlformats.org/drawingml/2006/main" xmlns:r="http://schemas.openxmlformats.org/officeDocument/2006/relationships" xmlns:p="http://schemas.openxmlformats.org/presentationml/2006/main">
-  <p:cSld>
-    <p:spTree>
-      <p:nvGrpSpPr>
-        <p:cNvPr id="1" name=""/>
-        <p:cNvGrpSpPr/>
-        <p:nvPr/>
-      </p:nvGrpSpPr>
-      <p:grpSpPr>
-        <a:xfrm>
-          <a:off x="0" y="0"/>
-          <a:ext cx="0" cy="0"/>
-          <a:chOff x="0" y="0"/>
-          <a:chExt cx="0" cy="0"/>
-        </a:xfrm>
-      </p:grpSpPr>
-      <p:pic>
-        <p:nvPicPr>
-          <p:cNvPr id="8" name="Picture 7">
-            <a:extLst>
-              <a:ext uri="{FF2B5EF4-FFF2-40B4-BE49-F238E27FC236}">
-                <a16:creationId xmlns:a16="http://schemas.microsoft.com/office/drawing/2014/main" id="{0C107C35-3086-F170-D5DB-3048FF278CDE}"/>
-              </a:ext>
-            </a:extLst>
-          </p:cNvPr>
-          <p:cNvPicPr>
-            <a:picLocks noChangeAspect="1"/>
-          </p:cNvPicPr>
-          <p:nvPr/>
-        </p:nvPicPr>
-        <p:blipFill>
-          <a:blip r:embed="rId2"/>
-          <a:stretch>
-            <a:fillRect/>
-          </a:stretch>
-        </p:blipFill>
-        <p:spPr>
-          <a:xfrm>
-            <a:off x="1327150" y="342900"/>
-            <a:ext cx="6489700" cy="6172200"/>
-          </a:xfrm>
-          <a:prstGeom prst="rect">
-            <a:avLst/>
-          </a:prstGeom>
-        </p:spPr>
-      </p:pic>
-    </p:spTree>
-    <p:extLst>
-      <p:ext uri="{BB962C8B-B14F-4D97-AF65-F5344CB8AC3E}">
-        <p14:creationId xmlns:p14="http://schemas.microsoft.com/office/powerpoint/2010/main" val="2973818612"/>
-      </p:ext>
-    </p:extLst>
-  </p:cSld>
-  <p:clrMapOvr>
-    <a:masterClrMapping/>
-  </p:clrMapOvr>
-</p:sld>
-</file>
-
-<file path=ppt/slides/slide3.xml><?xml version="1.0" encoding="utf-8"?>
-<p:sld xmlns:a="http://schemas.openxmlformats.org/drawingml/2006/main" xmlns:r="http://schemas.openxmlformats.org/officeDocument/2006/relationships" xmlns:p="http://schemas.openxmlformats.org/presentationml/2006/main">
-  <p:cSld>
-    <p:spTree>
-      <p:nvGrpSpPr>
-        <p:cNvPr id="1" name=""/>
-        <p:cNvGrpSpPr/>
-        <p:nvPr/>
-      </p:nvGrpSpPr>
-      <p:grpSpPr>
-        <a:xfrm>
-          <a:off x="0" y="0"/>
-          <a:ext cx="0" cy="0"/>
-          <a:chOff x="0" y="0"/>
-          <a:chExt cx="0" cy="0"/>
-        </a:xfrm>
-      </p:grpSpPr>
-      <p:pic>
-        <p:nvPicPr>
-          <p:cNvPr id="8" name="Picture 7">
-            <a:extLst>
-              <a:ext uri="{FF2B5EF4-FFF2-40B4-BE49-F238E27FC236}">
-                <a16:creationId xmlns:a16="http://schemas.microsoft.com/office/drawing/2014/main" id="{0C107C35-3086-F170-D5DB-3048FF278CDE}"/>
-              </a:ext>
-            </a:extLst>
-          </p:cNvPr>
-          <p:cNvPicPr>
-            <a:picLocks noChangeAspect="1"/>
-          </p:cNvPicPr>
-          <p:nvPr/>
-        </p:nvPicPr>
-        <p:blipFill>
-          <a:blip r:embed="rId2"/>
-          <a:stretch>
-            <a:fillRect/>
-          </a:stretch>
-        </p:blipFill>
-        <p:spPr>
-          <a:xfrm>
-            <a:off x="1327150" y="342900"/>
-            <a:ext cx="6489700" cy="6172200"/>
-          </a:xfrm>
-          <a:prstGeom prst="rect">
-            <a:avLst/>
-          </a:prstGeom>
-        </p:spPr>
-      </p:pic>
-      <p:sp>
-        <p:nvSpPr>
-          <p:cNvPr id="9" name="Freeform 8">
-            <a:extLst>
-              <a:ext uri="{FF2B5EF4-FFF2-40B4-BE49-F238E27FC236}">
-                <a16:creationId xmlns:a16="http://schemas.microsoft.com/office/drawing/2014/main" id="{6A4C3B91-E6BE-E706-E011-C959D617DEB9}"/>
-              </a:ext>
-            </a:extLst>
-          </p:cNvPr>
-          <p:cNvSpPr/>
-          <p:nvPr/>
-        </p:nvSpPr>
-        <p:spPr>
-          <a:xfrm>
-            <a:off x="3521411" y="735436"/>
-            <a:ext cx="3217681" cy="1657570"/>
-          </a:xfrm>
-          <a:custGeom>
-            <a:avLst/>
-            <a:gdLst>
-              <a:gd name="connsiteX0" fmla="*/ 2490280 w 3149392"/>
-              <a:gd name="connsiteY0" fmla="*/ 1314857 h 1314857"/>
-              <a:gd name="connsiteX1" fmla="*/ 2986391 w 3149392"/>
-              <a:gd name="connsiteY1" fmla="*/ 118354 h 1314857"/>
-              <a:gd name="connsiteX2" fmla="*/ 0 w 3149392"/>
-              <a:gd name="connsiteY2" fmla="*/ 108627 h 1314857"/>
-              <a:gd name="connsiteX0" fmla="*/ 2490280 w 3102386"/>
-              <a:gd name="connsiteY0" fmla="*/ 1434350 h 1434350"/>
-              <a:gd name="connsiteX1" fmla="*/ 2927707 w 3102386"/>
-              <a:gd name="connsiteY1" fmla="*/ 74511 h 1434350"/>
-              <a:gd name="connsiteX2" fmla="*/ 0 w 3102386"/>
-              <a:gd name="connsiteY2" fmla="*/ 228120 h 1434350"/>
-              <a:gd name="connsiteX0" fmla="*/ 1932779 w 3029837"/>
-              <a:gd name="connsiteY0" fmla="*/ 1369016 h 1369016"/>
-              <a:gd name="connsiteX1" fmla="*/ 2927707 w 3029837"/>
-              <a:gd name="connsiteY1" fmla="*/ 74511 h 1369016"/>
-              <a:gd name="connsiteX2" fmla="*/ 0 w 3029837"/>
-              <a:gd name="connsiteY2" fmla="*/ 228120 h 1369016"/>
-              <a:gd name="connsiteX0" fmla="*/ 2138174 w 3235232"/>
-              <a:gd name="connsiteY0" fmla="*/ 1357951 h 1357951"/>
-              <a:gd name="connsiteX1" fmla="*/ 3133102 w 3235232"/>
-              <a:gd name="connsiteY1" fmla="*/ 63446 h 1357951"/>
-              <a:gd name="connsiteX2" fmla="*/ 0 w 3235232"/>
-              <a:gd name="connsiteY2" fmla="*/ 290557 h 1357951"/>
-              <a:gd name="connsiteX0" fmla="*/ 2138174 w 3235232"/>
-              <a:gd name="connsiteY0" fmla="*/ 1391605 h 1391605"/>
-              <a:gd name="connsiteX1" fmla="*/ 3133102 w 3235232"/>
-              <a:gd name="connsiteY1" fmla="*/ 97100 h 1391605"/>
-              <a:gd name="connsiteX2" fmla="*/ 0 w 3235232"/>
-              <a:gd name="connsiteY2" fmla="*/ 324211 h 1391605"/>
-            </a:gdLst>
-            <a:ahLst/>
-            <a:cxnLst>
-              <a:cxn ang="0">
-                <a:pos x="connsiteX0" y="connsiteY0"/>
-              </a:cxn>
-              <a:cxn ang="0">
-                <a:pos x="connsiteX1" y="connsiteY1"/>
-              </a:cxn>
-              <a:cxn ang="0">
-                <a:pos x="connsiteX2" y="connsiteY2"/>
-              </a:cxn>
-            </a:cxnLst>
-            <a:rect l="l" t="t" r="r" b="b"/>
-            <a:pathLst>
-              <a:path w="3235232" h="1391605">
-                <a:moveTo>
-                  <a:pt x="2138174" y="1391605"/>
-                </a:moveTo>
-                <a:cubicBezTo>
-                  <a:pt x="2593753" y="893872"/>
-                  <a:pt x="3548149" y="298138"/>
-                  <a:pt x="3133102" y="97100"/>
-                </a:cubicBezTo>
-                <a:cubicBezTo>
-                  <a:pt x="2718055" y="-103938"/>
-                  <a:pt x="1178083" y="24385"/>
-                  <a:pt x="0" y="324211"/>
-                </a:cubicBezTo>
-              </a:path>
-            </a:pathLst>
-          </a:custGeom>
-          <a:noFill/>
-          <a:ln w="28575">
-            <a:tailEnd type="arrow"/>
-          </a:ln>
-        </p:spPr>
-        <p:style>
-          <a:lnRef idx="2">
-            <a:schemeClr val="accent1">
-              <a:shade val="50000"/>
-            </a:schemeClr>
-          </a:lnRef>
-          <a:fillRef idx="1">
-            <a:schemeClr val="accent1"/>
-          </a:fillRef>
-          <a:effectRef idx="0">
-            <a:schemeClr val="accent1"/>
-          </a:effectRef>
-          <a:fontRef idx="minor">
-            <a:schemeClr val="lt1"/>
-          </a:fontRef>
-        </p:style>
-        <p:txBody>
-          <a:bodyPr rtlCol="0" anchor="ctr"/>
-          <a:lstStyle/>
-          <a:p>
-            <a:pPr algn="ctr"/>
-            <a:endParaRPr lang="en-US" dirty="0"/>
-          </a:p>
-        </p:txBody>
-      </p:sp>
-      <p:sp>
-        <p:nvSpPr>
-          <p:cNvPr id="10" name="TextBox 9">
-            <a:extLst>
-              <a:ext uri="{FF2B5EF4-FFF2-40B4-BE49-F238E27FC236}">
-                <a16:creationId xmlns:a16="http://schemas.microsoft.com/office/drawing/2014/main" id="{EEA596B0-F488-D01E-E278-B38376653347}"/>
-              </a:ext>
-            </a:extLst>
-          </p:cNvPr>
-          <p:cNvSpPr txBox="1"/>
-          <p:nvPr/>
-        </p:nvSpPr>
-        <p:spPr>
-          <a:xfrm>
-            <a:off x="6495900" y="1302611"/>
-            <a:ext cx="2194261" cy="523220"/>
-          </a:xfrm>
-          <a:prstGeom prst="rect">
-            <a:avLst/>
-          </a:prstGeom>
-          <a:noFill/>
-        </p:spPr>
-        <p:txBody>
-          <a:bodyPr wrap="square" rtlCol="0">
-            <a:spAutoFit/>
-          </a:bodyPr>
-          <a:lstStyle/>
-          <a:p>
-            <a:r>
-              <a:rPr lang="en-US" sz="2800" dirty="0"/>
-              <a:t>self reference</a:t>
-            </a:r>
-          </a:p>
-        </p:txBody>
-      </p:sp>
-      <p:sp>
-        <p:nvSpPr>
-          <p:cNvPr id="11" name="Freeform 10">
-            <a:extLst>
-              <a:ext uri="{FF2B5EF4-FFF2-40B4-BE49-F238E27FC236}">
-                <a16:creationId xmlns:a16="http://schemas.microsoft.com/office/drawing/2014/main" id="{D290A26B-5374-BC49-B34B-D51E43CC0480}"/>
-              </a:ext>
-            </a:extLst>
-          </p:cNvPr>
-          <p:cNvSpPr/>
-          <p:nvPr/>
-        </p:nvSpPr>
-        <p:spPr>
-          <a:xfrm>
-            <a:off x="4101829" y="3161969"/>
-            <a:ext cx="2079568" cy="2817302"/>
-          </a:xfrm>
-          <a:custGeom>
-            <a:avLst/>
-            <a:gdLst>
-              <a:gd name="connsiteX0" fmla="*/ 2490280 w 3149392"/>
-              <a:gd name="connsiteY0" fmla="*/ 1314857 h 1314857"/>
-              <a:gd name="connsiteX1" fmla="*/ 2986391 w 3149392"/>
-              <a:gd name="connsiteY1" fmla="*/ 118354 h 1314857"/>
-              <a:gd name="connsiteX2" fmla="*/ 0 w 3149392"/>
-              <a:gd name="connsiteY2" fmla="*/ 108627 h 1314857"/>
-              <a:gd name="connsiteX0" fmla="*/ 2490280 w 3102386"/>
-              <a:gd name="connsiteY0" fmla="*/ 1434350 h 1434350"/>
-              <a:gd name="connsiteX1" fmla="*/ 2927707 w 3102386"/>
-              <a:gd name="connsiteY1" fmla="*/ 74511 h 1434350"/>
-              <a:gd name="connsiteX2" fmla="*/ 0 w 3102386"/>
-              <a:gd name="connsiteY2" fmla="*/ 228120 h 1434350"/>
-              <a:gd name="connsiteX0" fmla="*/ 1932779 w 3029837"/>
-              <a:gd name="connsiteY0" fmla="*/ 1369016 h 1369016"/>
-              <a:gd name="connsiteX1" fmla="*/ 2927707 w 3029837"/>
-              <a:gd name="connsiteY1" fmla="*/ 74511 h 1369016"/>
-              <a:gd name="connsiteX2" fmla="*/ 0 w 3029837"/>
-              <a:gd name="connsiteY2" fmla="*/ 228120 h 1369016"/>
-              <a:gd name="connsiteX0" fmla="*/ 2138174 w 3235232"/>
-              <a:gd name="connsiteY0" fmla="*/ 1357951 h 1357951"/>
-              <a:gd name="connsiteX1" fmla="*/ 3133102 w 3235232"/>
-              <a:gd name="connsiteY1" fmla="*/ 63446 h 1357951"/>
-              <a:gd name="connsiteX2" fmla="*/ 0 w 3235232"/>
-              <a:gd name="connsiteY2" fmla="*/ 290557 h 1357951"/>
-              <a:gd name="connsiteX0" fmla="*/ 2138174 w 3235232"/>
-              <a:gd name="connsiteY0" fmla="*/ 1391605 h 1391605"/>
-              <a:gd name="connsiteX1" fmla="*/ 3133102 w 3235232"/>
-              <a:gd name="connsiteY1" fmla="*/ 97100 h 1391605"/>
-              <a:gd name="connsiteX2" fmla="*/ 0 w 3235232"/>
-              <a:gd name="connsiteY2" fmla="*/ 324211 h 1391605"/>
-              <a:gd name="connsiteX0" fmla="*/ 1101418 w 2198476"/>
-              <a:gd name="connsiteY0" fmla="*/ 2234540 h 2234540"/>
-              <a:gd name="connsiteX1" fmla="*/ 2096346 w 2198476"/>
-              <a:gd name="connsiteY1" fmla="*/ 940035 h 2234540"/>
-              <a:gd name="connsiteX2" fmla="*/ 0 w 2198476"/>
-              <a:gd name="connsiteY2" fmla="*/ 56460 h 2234540"/>
-              <a:gd name="connsiteX0" fmla="*/ 1101418 w 2064634"/>
-              <a:gd name="connsiteY0" fmla="*/ 2367030 h 2367030"/>
-              <a:gd name="connsiteX1" fmla="*/ 1949635 w 2064634"/>
-              <a:gd name="connsiteY1" fmla="*/ 190510 h 2367030"/>
-              <a:gd name="connsiteX2" fmla="*/ 0 w 2064634"/>
-              <a:gd name="connsiteY2" fmla="*/ 188950 h 2367030"/>
-              <a:gd name="connsiteX0" fmla="*/ 1101418 w 2064634"/>
-              <a:gd name="connsiteY0" fmla="*/ 2433327 h 2433327"/>
-              <a:gd name="connsiteX1" fmla="*/ 1949635 w 2064634"/>
-              <a:gd name="connsiteY1" fmla="*/ 256807 h 2433327"/>
-              <a:gd name="connsiteX2" fmla="*/ 0 w 2064634"/>
-              <a:gd name="connsiteY2" fmla="*/ 255247 h 2433327"/>
-              <a:gd name="connsiteX0" fmla="*/ 1101418 w 2064634"/>
-              <a:gd name="connsiteY0" fmla="*/ 2378526 h 2378526"/>
-              <a:gd name="connsiteX1" fmla="*/ 1949635 w 2064634"/>
-              <a:gd name="connsiteY1" fmla="*/ 202006 h 2378526"/>
-              <a:gd name="connsiteX2" fmla="*/ 0 w 2064634"/>
-              <a:gd name="connsiteY2" fmla="*/ 200446 h 2378526"/>
-              <a:gd name="connsiteX0" fmla="*/ 1101418 w 2090912"/>
-              <a:gd name="connsiteY0" fmla="*/ 2378526 h 2378526"/>
-              <a:gd name="connsiteX1" fmla="*/ 1949635 w 2090912"/>
-              <a:gd name="connsiteY1" fmla="*/ 202006 h 2378526"/>
-              <a:gd name="connsiteX2" fmla="*/ 0 w 2090912"/>
-              <a:gd name="connsiteY2" fmla="*/ 200446 h 2378526"/>
-              <a:gd name="connsiteX0" fmla="*/ 1101418 w 2090912"/>
-              <a:gd name="connsiteY0" fmla="*/ 2365252 h 2365252"/>
-              <a:gd name="connsiteX1" fmla="*/ 1949635 w 2090912"/>
-              <a:gd name="connsiteY1" fmla="*/ 188732 h 2365252"/>
-              <a:gd name="connsiteX2" fmla="*/ 0 w 2090912"/>
-              <a:gd name="connsiteY2" fmla="*/ 187172 h 2365252"/>
-            </a:gdLst>
-            <a:ahLst/>
-            <a:cxnLst>
-              <a:cxn ang="0">
-                <a:pos x="connsiteX0" y="connsiteY0"/>
-              </a:cxn>
-              <a:cxn ang="0">
-                <a:pos x="connsiteX1" y="connsiteY1"/>
-              </a:cxn>
-              <a:cxn ang="0">
-                <a:pos x="connsiteX2" y="connsiteY2"/>
-              </a:cxn>
-            </a:cxnLst>
-            <a:rect l="l" t="t" r="r" b="b"/>
-            <a:pathLst>
-              <a:path w="2090912" h="2365252">
-                <a:moveTo>
-                  <a:pt x="1101418" y="2365252"/>
-                </a:moveTo>
-                <a:cubicBezTo>
-                  <a:pt x="1556997" y="1867519"/>
-                  <a:pt x="2433147" y="553106"/>
-                  <a:pt x="1949635" y="188732"/>
-                </a:cubicBezTo>
-                <a:cubicBezTo>
-                  <a:pt x="1182482" y="-191976"/>
-                  <a:pt x="346722" y="107850"/>
-                  <a:pt x="0" y="187172"/>
-                </a:cubicBezTo>
-              </a:path>
-            </a:pathLst>
-          </a:custGeom>
-          <a:noFill/>
-          <a:ln w="28575">
-            <a:tailEnd type="arrow"/>
-          </a:ln>
-        </p:spPr>
-        <p:style>
-          <a:lnRef idx="2">
-            <a:schemeClr val="accent1">
-              <a:shade val="50000"/>
-            </a:schemeClr>
-          </a:lnRef>
-          <a:fillRef idx="1">
-            <a:schemeClr val="accent1"/>
-          </a:fillRef>
-          <a:effectRef idx="0">
-            <a:schemeClr val="accent1"/>
-          </a:effectRef>
-          <a:fontRef idx="minor">
-            <a:schemeClr val="lt1"/>
-          </a:fontRef>
-        </p:style>
-        <p:txBody>
-          <a:bodyPr rtlCol="0" anchor="ctr"/>
-          <a:lstStyle/>
-          <a:p>
-            <a:pPr algn="ctr"/>
-            <a:endParaRPr lang="en-US" dirty="0"/>
-          </a:p>
-        </p:txBody>
-      </p:sp>
-      <p:sp>
-        <p:nvSpPr>
-          <p:cNvPr id="12" name="TextBox 11">
-            <a:extLst>
-              <a:ext uri="{FF2B5EF4-FFF2-40B4-BE49-F238E27FC236}">
-                <a16:creationId xmlns:a16="http://schemas.microsoft.com/office/drawing/2014/main" id="{A9B6EC61-8DD8-C742-E57E-514765925093}"/>
-              </a:ext>
-            </a:extLst>
-          </p:cNvPr>
-          <p:cNvSpPr txBox="1"/>
-          <p:nvPr/>
-        </p:nvSpPr>
-        <p:spPr>
-          <a:xfrm>
-            <a:off x="6059244" y="4464995"/>
-            <a:ext cx="2896832" cy="523220"/>
-          </a:xfrm>
-          <a:prstGeom prst="rect">
-            <a:avLst/>
-          </a:prstGeom>
-          <a:noFill/>
-        </p:spPr>
-        <p:txBody>
-          <a:bodyPr wrap="square" rtlCol="0">
-            <a:spAutoFit/>
-          </a:bodyPr>
-          <a:lstStyle/>
-          <a:p>
-            <a:r>
-              <a:rPr lang="en-US" sz="2800" dirty="0"/>
-              <a:t>natural recursion</a:t>
-            </a:r>
-          </a:p>
-        </p:txBody>
-      </p:sp>
-    </p:spTree>
-    <p:extLst>
-      <p:ext uri="{BB962C8B-B14F-4D97-AF65-F5344CB8AC3E}">
-        <p14:creationId xmlns:p14="http://schemas.microsoft.com/office/powerpoint/2010/main" val="936420"/>
-      </p:ext>
-    </p:extLst>
-  </p:cSld>
-  <p:clrMapOvr>
-    <a:masterClrMapping/>
-  </p:clrMapOvr>
-</p:sld>
-</file>
-
-<file path=ppt/slides/slide4.xml><?xml version="1.0" encoding="utf-8"?>
-<p:sld xmlns:a="http://schemas.openxmlformats.org/drawingml/2006/main" xmlns:r="http://schemas.openxmlformats.org/officeDocument/2006/relationships" xmlns:p="http://schemas.openxmlformats.org/presentationml/2006/main">
-  <p:cSld>
-    <p:spTree>
-      <p:nvGrpSpPr>
-        <p:cNvPr id="1" name=""/>
-        <p:cNvGrpSpPr/>
-        <p:nvPr/>
-      </p:nvGrpSpPr>
-      <p:grpSpPr>
-        <a:xfrm>
-          <a:off x="0" y="0"/>
-          <a:ext cx="0" cy="0"/>
-          <a:chOff x="0" y="0"/>
-          <a:chExt cx="0" cy="0"/>
-        </a:xfrm>
-      </p:grpSpPr>
-      <p:pic>
-        <p:nvPicPr>
-          <p:cNvPr id="4" name="Picture 3">
-            <a:extLst>
-              <a:ext uri="{FF2B5EF4-FFF2-40B4-BE49-F238E27FC236}">
-                <a16:creationId xmlns:a16="http://schemas.microsoft.com/office/drawing/2014/main" id="{C6AD5096-C207-7172-3219-9CD229104D06}"/>
-              </a:ext>
-            </a:extLst>
-          </p:cNvPr>
-          <p:cNvPicPr>
-            <a:picLocks noChangeAspect="1"/>
-          </p:cNvPicPr>
-          <p:nvPr/>
-        </p:nvPicPr>
-        <p:blipFill>
-          <a:blip r:embed="rId2"/>
-          <a:stretch>
-            <a:fillRect/>
-          </a:stretch>
-        </p:blipFill>
-        <p:spPr>
-          <a:xfrm>
-            <a:off x="685800" y="2373561"/>
-            <a:ext cx="7772400" cy="4114800"/>
-          </a:xfrm>
-          <a:prstGeom prst="rect">
-            <a:avLst/>
-          </a:prstGeom>
-        </p:spPr>
-      </p:pic>
-    </p:spTree>
-    <p:extLst>
-      <p:ext uri="{BB962C8B-B14F-4D97-AF65-F5344CB8AC3E}">
-        <p14:creationId xmlns:p14="http://schemas.microsoft.com/office/powerpoint/2010/main" val="444123346"/>
-      </p:ext>
-    </p:extLst>
-  </p:cSld>
-  <p:clrMapOvr>
-    <a:masterClrMapping/>
-  </p:clrMapOvr>
-</p:sld>
-</file>
-
-<file path=ppt/slides/slide5.xml><?xml version="1.0" encoding="utf-8"?>
-<p:sld xmlns:a="http://schemas.openxmlformats.org/drawingml/2006/main" xmlns:r="http://schemas.openxmlformats.org/officeDocument/2006/relationships" xmlns:p="http://schemas.openxmlformats.org/presentationml/2006/main">
-  <p:cSld>
-    <p:spTree>
-      <p:nvGrpSpPr>
-        <p:cNvPr id="1" name=""/>
-        <p:cNvGrpSpPr/>
-        <p:nvPr/>
-      </p:nvGrpSpPr>
-      <p:grpSpPr>
-        <a:xfrm>
-          <a:off x="0" y="0"/>
-          <a:ext cx="0" cy="0"/>
-          <a:chOff x="0" y="0"/>
-          <a:chExt cx="0" cy="0"/>
-        </a:xfrm>
-      </p:grpSpPr>
-      <p:pic>
-        <p:nvPicPr>
-          <p:cNvPr id="3" name="Picture 2">
-            <a:extLst>
-              <a:ext uri="{FF2B5EF4-FFF2-40B4-BE49-F238E27FC236}">
-                <a16:creationId xmlns:a16="http://schemas.microsoft.com/office/drawing/2014/main" id="{596E782D-3091-7AE6-BC72-75594704B8D4}"/>
-              </a:ext>
-            </a:extLst>
-          </p:cNvPr>
-          <p:cNvPicPr>
-            <a:picLocks noChangeAspect="1"/>
-          </p:cNvPicPr>
-          <p:nvPr/>
-        </p:nvPicPr>
-        <p:blipFill>
-          <a:blip r:embed="rId2"/>
-          <a:stretch>
-            <a:fillRect/>
-          </a:stretch>
-        </p:blipFill>
-        <p:spPr>
-          <a:xfrm>
-            <a:off x="685800" y="2373551"/>
-            <a:ext cx="7772400" cy="4114800"/>
-          </a:xfrm>
-          <a:prstGeom prst="rect">
-            <a:avLst/>
-          </a:prstGeom>
-        </p:spPr>
-      </p:pic>
-      <p:cxnSp>
-        <p:nvCxnSpPr>
-          <p:cNvPr id="4" name="Straight Arrow Connector 3">
-            <a:extLst>
-              <a:ext uri="{FF2B5EF4-FFF2-40B4-BE49-F238E27FC236}">
-                <a16:creationId xmlns:a16="http://schemas.microsoft.com/office/drawing/2014/main" id="{41E7CFBA-EA6A-D98F-0D7E-E3302DA565A8}"/>
-              </a:ext>
-            </a:extLst>
-          </p:cNvPr>
-          <p:cNvCxnSpPr/>
-          <p:nvPr/>
-        </p:nvCxnSpPr>
-        <p:spPr>
-          <a:xfrm flipH="1">
-            <a:off x="4834647" y="3628419"/>
-            <a:ext cx="1128408" cy="350196"/>
-          </a:xfrm>
-          <a:prstGeom prst="straightConnector1">
-            <a:avLst/>
-          </a:prstGeom>
-          <a:ln w="28575">
-            <a:tailEnd type="arrow"/>
-          </a:ln>
-        </p:spPr>
-        <p:style>
-          <a:lnRef idx="1">
-            <a:schemeClr val="accent1"/>
-          </a:lnRef>
-          <a:fillRef idx="0">
-            <a:schemeClr val="accent1"/>
-          </a:fillRef>
-          <a:effectRef idx="0">
-            <a:schemeClr val="accent1"/>
-          </a:effectRef>
-          <a:fontRef idx="minor">
-            <a:schemeClr val="tx1"/>
-          </a:fontRef>
-        </p:style>
-      </p:cxnSp>
-      <p:sp>
-        <p:nvSpPr>
-          <p:cNvPr id="5" name="TextBox 4">
-            <a:extLst>
-              <a:ext uri="{FF2B5EF4-FFF2-40B4-BE49-F238E27FC236}">
-                <a16:creationId xmlns:a16="http://schemas.microsoft.com/office/drawing/2014/main" id="{B292AD9C-AD6F-9EA4-966F-2C03C7B3936B}"/>
-              </a:ext>
-            </a:extLst>
-          </p:cNvPr>
-          <p:cNvSpPr txBox="1"/>
-          <p:nvPr/>
-        </p:nvSpPr>
-        <p:spPr>
-          <a:xfrm>
-            <a:off x="6113497" y="3366809"/>
-            <a:ext cx="2583031" cy="523220"/>
-          </a:xfrm>
-          <a:prstGeom prst="rect">
-            <a:avLst/>
-          </a:prstGeom>
-          <a:noFill/>
-        </p:spPr>
-        <p:txBody>
-          <a:bodyPr wrap="square" rtlCol="0">
-            <a:spAutoFit/>
-          </a:bodyPr>
-          <a:lstStyle/>
-          <a:p>
-            <a:r>
-              <a:rPr lang="en-US" sz="2800" dirty="0"/>
-              <a:t>base case result</a:t>
-            </a:r>
-          </a:p>
-        </p:txBody>
-      </p:sp>
-      <p:sp>
-        <p:nvSpPr>
-          <p:cNvPr id="7" name="TextBox 6">
-            <a:extLst>
-              <a:ext uri="{FF2B5EF4-FFF2-40B4-BE49-F238E27FC236}">
-                <a16:creationId xmlns:a16="http://schemas.microsoft.com/office/drawing/2014/main" id="{EF7C7FCF-B4C7-EA8C-40C5-E242D61DD1E4}"/>
-              </a:ext>
-            </a:extLst>
-          </p:cNvPr>
-          <p:cNvSpPr txBox="1"/>
-          <p:nvPr/>
-        </p:nvSpPr>
-        <p:spPr>
-          <a:xfrm>
-            <a:off x="6113497" y="4362061"/>
-            <a:ext cx="2583031" cy="523220"/>
-          </a:xfrm>
-          <a:prstGeom prst="rect">
-            <a:avLst/>
-          </a:prstGeom>
-          <a:noFill/>
-        </p:spPr>
-        <p:txBody>
-          <a:bodyPr wrap="square" rtlCol="0">
-            <a:spAutoFit/>
-          </a:bodyPr>
-          <a:lstStyle/>
-          <a:p>
-            <a:r>
-              <a:rPr lang="en-US" sz="2800" dirty="0"/>
-              <a:t>combination</a:t>
-            </a:r>
-          </a:p>
-        </p:txBody>
-      </p:sp>
-      <p:cxnSp>
-        <p:nvCxnSpPr>
-          <p:cNvPr id="12" name="Straight Arrow Connector 11">
-            <a:extLst>
-              <a:ext uri="{FF2B5EF4-FFF2-40B4-BE49-F238E27FC236}">
-                <a16:creationId xmlns:a16="http://schemas.microsoft.com/office/drawing/2014/main" id="{A8C0F68D-E3D4-7E32-0E7A-263D8C590819}"/>
-              </a:ext>
-            </a:extLst>
-          </p:cNvPr>
-          <p:cNvCxnSpPr>
-            <a:cxnSpLocks/>
-          </p:cNvCxnSpPr>
-          <p:nvPr/>
-        </p:nvCxnSpPr>
-        <p:spPr>
-          <a:xfrm flipH="1">
-            <a:off x="2604412" y="4562633"/>
-            <a:ext cx="3270757" cy="641310"/>
-          </a:xfrm>
-          <a:prstGeom prst="straightConnector1">
-            <a:avLst/>
-          </a:prstGeom>
-          <a:ln w="28575">
-            <a:tailEnd type="arrow"/>
-          </a:ln>
-        </p:spPr>
-        <p:style>
-          <a:lnRef idx="1">
-            <a:schemeClr val="accent1"/>
-          </a:lnRef>
-          <a:fillRef idx="0">
-            <a:schemeClr val="accent1"/>
-          </a:fillRef>
-          <a:effectRef idx="0">
-            <a:schemeClr val="accent1"/>
-          </a:effectRef>
-          <a:fontRef idx="minor">
-            <a:schemeClr val="tx1"/>
-          </a:fontRef>
-        </p:style>
-      </p:cxnSp>
-      <p:sp>
-        <p:nvSpPr>
-          <p:cNvPr id="13" name="TextBox 12">
-            <a:extLst>
-              <a:ext uri="{FF2B5EF4-FFF2-40B4-BE49-F238E27FC236}">
-                <a16:creationId xmlns:a16="http://schemas.microsoft.com/office/drawing/2014/main" id="{1C7BFB41-CC08-09C1-1286-17AB1FE85F53}"/>
-              </a:ext>
-            </a:extLst>
-          </p:cNvPr>
-          <p:cNvSpPr txBox="1"/>
-          <p:nvPr/>
-        </p:nvSpPr>
-        <p:spPr>
-          <a:xfrm>
-            <a:off x="2141216" y="220946"/>
-            <a:ext cx="4699440" cy="523220"/>
-          </a:xfrm>
-          <a:prstGeom prst="rect">
-            <a:avLst/>
-          </a:prstGeom>
-          <a:noFill/>
-        </p:spPr>
-        <p:txBody>
-          <a:bodyPr wrap="square" rtlCol="0">
-            <a:spAutoFit/>
-          </a:bodyPr>
-          <a:lstStyle/>
-          <a:p>
-            <a:r>
-              <a:rPr lang="en-US" sz="2800" dirty="0"/>
-              <a:t>Trusting the Natural Recursion</a:t>
-            </a:r>
-          </a:p>
-        </p:txBody>
-      </p:sp>
-      <p:sp>
-        <p:nvSpPr>
-          <p:cNvPr id="20" name="TextBox 19">
-            <a:extLst>
-              <a:ext uri="{FF2B5EF4-FFF2-40B4-BE49-F238E27FC236}">
-                <a16:creationId xmlns:a16="http://schemas.microsoft.com/office/drawing/2014/main" id="{E9BFC301-84C4-1E2A-DCCA-00138538A355}"/>
-              </a:ext>
-            </a:extLst>
-          </p:cNvPr>
-          <p:cNvSpPr txBox="1"/>
-          <p:nvPr/>
-        </p:nvSpPr>
-        <p:spPr>
-          <a:xfrm>
-            <a:off x="282102" y="822811"/>
-            <a:ext cx="8861898" cy="1569660"/>
-          </a:xfrm>
-          <a:prstGeom prst="rect">
-            <a:avLst/>
-          </a:prstGeom>
-          <a:noFill/>
-        </p:spPr>
-        <p:txBody>
-          <a:bodyPr wrap="square" rtlCol="0">
-            <a:spAutoFit/>
-          </a:bodyPr>
-          <a:lstStyle/>
-          <a:p>
-            <a:r>
-              <a:rPr lang="en-US" sz="2400" dirty="0">
-                <a:solidFill>
-                  <a:srgbClr val="FF0000"/>
-                </a:solidFill>
-              </a:rPr>
-              <a:t>result of natural recursion (RNR) will be correct </a:t>
-            </a:r>
-            <a:r>
-              <a:rPr lang="en-US" sz="2400" u="sng" dirty="0">
-                <a:solidFill>
-                  <a:srgbClr val="FF0000"/>
-                </a:solidFill>
-              </a:rPr>
-              <a:t>if and only if </a:t>
-            </a:r>
-            <a:endParaRPr lang="en-US" sz="2400" dirty="0">
-              <a:solidFill>
-                <a:srgbClr val="FF0000"/>
-              </a:solidFill>
-            </a:endParaRPr>
-          </a:p>
-          <a:p>
-            <a:r>
-              <a:rPr lang="en-US" sz="2400" dirty="0">
-                <a:solidFill>
-                  <a:srgbClr val="FF0000"/>
-                </a:solidFill>
-              </a:rPr>
-              <a:t>  - correct base case result </a:t>
-            </a:r>
-          </a:p>
-          <a:p>
-            <a:r>
-              <a:rPr lang="en-US" sz="2400" dirty="0">
-                <a:solidFill>
-                  <a:srgbClr val="FF0000"/>
-                </a:solidFill>
-              </a:rPr>
-              <a:t>  - correct contribution of first</a:t>
-            </a:r>
-          </a:p>
-          <a:p>
-            <a:r>
-              <a:rPr lang="en-US" sz="2400" dirty="0">
-                <a:solidFill>
-                  <a:srgbClr val="FF0000"/>
-                </a:solidFill>
-              </a:rPr>
-              <a:t>  - correct combination of contribution and RNR</a:t>
-            </a:r>
-          </a:p>
-        </p:txBody>
-      </p:sp>
-      <p:sp>
-        <p:nvSpPr>
-          <p:cNvPr id="24" name="TextBox 23">
-            <a:extLst>
-              <a:ext uri="{FF2B5EF4-FFF2-40B4-BE49-F238E27FC236}">
-                <a16:creationId xmlns:a16="http://schemas.microsoft.com/office/drawing/2014/main" id="{7B41E396-D07A-0983-8BAB-7C60D55EC46C}"/>
-              </a:ext>
-            </a:extLst>
-          </p:cNvPr>
-          <p:cNvSpPr txBox="1"/>
-          <p:nvPr/>
-        </p:nvSpPr>
-        <p:spPr>
-          <a:xfrm>
-            <a:off x="6113497" y="3838643"/>
-            <a:ext cx="3190672" cy="369332"/>
-          </a:xfrm>
-          <a:prstGeom prst="rect">
-            <a:avLst/>
-          </a:prstGeom>
-          <a:noFill/>
-        </p:spPr>
-        <p:txBody>
-          <a:bodyPr wrap="square" rtlCol="0">
-            <a:spAutoFit/>
-          </a:bodyPr>
-          <a:lstStyle/>
-          <a:p>
-            <a:r>
-              <a:rPr lang="en-US" dirty="0"/>
-              <a:t>correct result for empty</a:t>
-            </a:r>
-          </a:p>
-        </p:txBody>
-      </p:sp>
-      <p:sp>
-        <p:nvSpPr>
-          <p:cNvPr id="25" name="TextBox 24">
-            <a:extLst>
-              <a:ext uri="{FF2B5EF4-FFF2-40B4-BE49-F238E27FC236}">
-                <a16:creationId xmlns:a16="http://schemas.microsoft.com/office/drawing/2014/main" id="{15EFFB8B-72E5-23D6-2D1C-19E31BFECE25}"/>
-              </a:ext>
-            </a:extLst>
-          </p:cNvPr>
-          <p:cNvSpPr txBox="1"/>
-          <p:nvPr/>
-        </p:nvSpPr>
-        <p:spPr>
-          <a:xfrm>
-            <a:off x="6113497" y="4839278"/>
-            <a:ext cx="3190672" cy="646331"/>
-          </a:xfrm>
-          <a:prstGeom prst="rect">
-            <a:avLst/>
-          </a:prstGeom>
-          <a:noFill/>
-        </p:spPr>
-        <p:txBody>
-          <a:bodyPr wrap="square" rtlCol="0">
-            <a:spAutoFit/>
-          </a:bodyPr>
-          <a:lstStyle/>
-          <a:p>
-            <a:r>
-              <a:rPr lang="en-US" dirty="0"/>
-              <a:t>how to combine (first </a:t>
-            </a:r>
-            <a:r>
-              <a:rPr lang="en-US" dirty="0" err="1"/>
-              <a:t>los</a:t>
-            </a:r>
-            <a:r>
-              <a:rPr lang="en-US" dirty="0"/>
-              <a:t>) and result of natural recursion</a:t>
-            </a:r>
-          </a:p>
-        </p:txBody>
-      </p:sp>
-    </p:spTree>
-    <p:extLst>
-      <p:ext uri="{BB962C8B-B14F-4D97-AF65-F5344CB8AC3E}">
-        <p14:creationId xmlns:p14="http://schemas.microsoft.com/office/powerpoint/2010/main" val="3530100401"/>
-      </p:ext>
-    </p:extLst>
-  </p:cSld>
-  <p:clrMapOvr>
-    <a:masterClrMapping/>
-  </p:clrMapOvr>
-</p:sld>
-</file>
-
-<file path=ppt/slides/slide6.xml><?xml version="1.0" encoding="utf-8"?>
-<p:sld xmlns:a="http://schemas.openxmlformats.org/drawingml/2006/main" xmlns:r="http://schemas.openxmlformats.org/officeDocument/2006/relationships" xmlns:p="http://schemas.openxmlformats.org/presentationml/2006/main">
-  <p:cSld>
-    <p:spTree>
-      <p:nvGrpSpPr>
-        <p:cNvPr id="1" name=""/>
-        <p:cNvGrpSpPr/>
-        <p:nvPr/>
-      </p:nvGrpSpPr>
-      <p:grpSpPr>
-        <a:xfrm>
-          <a:off x="0" y="0"/>
-          <a:ext cx="0" cy="0"/>
-          <a:chOff x="0" y="0"/>
-          <a:chExt cx="0" cy="0"/>
-        </a:xfrm>
-      </p:grpSpPr>
-      <p:pic>
-        <p:nvPicPr>
-          <p:cNvPr id="5" name="Picture 4">
-            <a:extLst>
-              <a:ext uri="{FF2B5EF4-FFF2-40B4-BE49-F238E27FC236}">
-                <a16:creationId xmlns:a16="http://schemas.microsoft.com/office/drawing/2014/main" id="{A1ABD00E-FEAB-9C18-4685-46893BE066C3}"/>
-              </a:ext>
-            </a:extLst>
-          </p:cNvPr>
-          <p:cNvPicPr>
-            <a:picLocks noChangeAspect="1"/>
-          </p:cNvPicPr>
-          <p:nvPr/>
-        </p:nvPicPr>
-        <p:blipFill rotWithShape="1">
-          <a:blip r:embed="rId2"/>
-          <a:srcRect b="53745"/>
-          <a:stretch/>
-        </p:blipFill>
-        <p:spPr>
-          <a:xfrm>
-            <a:off x="826174" y="2431753"/>
-            <a:ext cx="4533766" cy="1994493"/>
-          </a:xfrm>
-          <a:prstGeom prst="rect">
-            <a:avLst/>
-          </a:prstGeom>
-        </p:spPr>
-      </p:pic>
-      <p:sp>
-        <p:nvSpPr>
-          <p:cNvPr id="3" name="TextBox 2">
-            <a:extLst>
-              <a:ext uri="{FF2B5EF4-FFF2-40B4-BE49-F238E27FC236}">
-                <a16:creationId xmlns:a16="http://schemas.microsoft.com/office/drawing/2014/main" id="{7F09F2DA-8B98-18C8-D933-9293B29AA5A8}"/>
-              </a:ext>
-            </a:extLst>
-          </p:cNvPr>
-          <p:cNvSpPr txBox="1"/>
-          <p:nvPr/>
-        </p:nvSpPr>
-        <p:spPr>
-          <a:xfrm>
-            <a:off x="4790874" y="3383072"/>
-            <a:ext cx="2888437" cy="369332"/>
-          </a:xfrm>
-          <a:prstGeom prst="rect">
-            <a:avLst/>
-          </a:prstGeom>
-          <a:noFill/>
-        </p:spPr>
-        <p:txBody>
-          <a:bodyPr wrap="square" rtlCol="0">
-            <a:spAutoFit/>
-          </a:bodyPr>
-          <a:lstStyle/>
-          <a:p>
-            <a:r>
-              <a:rPr lang="en-US" dirty="0">
-                <a:solidFill>
-                  <a:srgbClr val="FF0000"/>
-                </a:solidFill>
-              </a:rPr>
-              <a:t>one or more base subclass</a:t>
-            </a:r>
-          </a:p>
-        </p:txBody>
-      </p:sp>
-      <p:sp>
-        <p:nvSpPr>
-          <p:cNvPr id="6" name="TextBox 5">
-            <a:extLst>
-              <a:ext uri="{FF2B5EF4-FFF2-40B4-BE49-F238E27FC236}">
-                <a16:creationId xmlns:a16="http://schemas.microsoft.com/office/drawing/2014/main" id="{23B55FB3-D0F0-064F-E685-FA25048C42AF}"/>
-              </a:ext>
-            </a:extLst>
-          </p:cNvPr>
-          <p:cNvSpPr txBox="1"/>
-          <p:nvPr/>
-        </p:nvSpPr>
-        <p:spPr>
-          <a:xfrm>
-            <a:off x="4790873" y="3824443"/>
-            <a:ext cx="4174787" cy="369332"/>
-          </a:xfrm>
-          <a:prstGeom prst="rect">
-            <a:avLst/>
-          </a:prstGeom>
-          <a:noFill/>
-        </p:spPr>
-        <p:txBody>
-          <a:bodyPr wrap="square" rtlCol="0">
-            <a:spAutoFit/>
-          </a:bodyPr>
-          <a:lstStyle/>
-          <a:p>
-            <a:r>
-              <a:rPr lang="en-US" dirty="0">
-                <a:solidFill>
-                  <a:srgbClr val="FF0000"/>
-                </a:solidFill>
-              </a:rPr>
-              <a:t>one or more self-reference subclasses</a:t>
-            </a:r>
-          </a:p>
-        </p:txBody>
-      </p:sp>
-      <p:sp>
-        <p:nvSpPr>
-          <p:cNvPr id="8" name="TextBox 7">
-            <a:extLst>
-              <a:ext uri="{FF2B5EF4-FFF2-40B4-BE49-F238E27FC236}">
-                <a16:creationId xmlns:a16="http://schemas.microsoft.com/office/drawing/2014/main" id="{AA703BAA-5AC0-5DE2-E02E-3FDA397D5E01}"/>
-              </a:ext>
-            </a:extLst>
-          </p:cNvPr>
-          <p:cNvSpPr txBox="1"/>
-          <p:nvPr/>
-        </p:nvSpPr>
-        <p:spPr>
-          <a:xfrm>
-            <a:off x="264270" y="1530643"/>
-            <a:ext cx="8471168" cy="369332"/>
-          </a:xfrm>
-          <a:prstGeom prst="rect">
-            <a:avLst/>
-          </a:prstGeom>
-          <a:noFill/>
-        </p:spPr>
-        <p:txBody>
-          <a:bodyPr wrap="square" rtlCol="0">
-            <a:spAutoFit/>
-          </a:bodyPr>
-          <a:lstStyle/>
-          <a:p>
-            <a:r>
-              <a:rPr lang="en-US" dirty="0">
-                <a:solidFill>
-                  <a:srgbClr val="FF0000"/>
-                </a:solidFill>
-              </a:rPr>
-              <a:t>arbitrary-sized information -&gt; requires well-formed self-referential data definition</a:t>
-            </a:r>
-          </a:p>
-        </p:txBody>
-      </p:sp>
-      <p:sp>
-        <p:nvSpPr>
-          <p:cNvPr id="10" name="TextBox 9">
-            <a:extLst>
-              <a:ext uri="{FF2B5EF4-FFF2-40B4-BE49-F238E27FC236}">
-                <a16:creationId xmlns:a16="http://schemas.microsoft.com/office/drawing/2014/main" id="{0681C69F-3145-EFF7-4C8B-88F04B37F4C5}"/>
-              </a:ext>
-            </a:extLst>
-          </p:cNvPr>
-          <p:cNvSpPr txBox="1"/>
-          <p:nvPr/>
-        </p:nvSpPr>
-        <p:spPr>
-          <a:xfrm>
-            <a:off x="4790874" y="2932517"/>
-            <a:ext cx="2888437" cy="369332"/>
-          </a:xfrm>
-          <a:prstGeom prst="rect">
-            <a:avLst/>
-          </a:prstGeom>
-          <a:noFill/>
-        </p:spPr>
-        <p:txBody>
-          <a:bodyPr wrap="square" rtlCol="0">
-            <a:spAutoFit/>
-          </a:bodyPr>
-          <a:lstStyle/>
-          <a:p>
-            <a:r>
-              <a:rPr lang="en-US" dirty="0">
-                <a:solidFill>
-                  <a:srgbClr val="FF0000"/>
-                </a:solidFill>
-              </a:rPr>
-              <a:t>one of with:</a:t>
-            </a:r>
-          </a:p>
-        </p:txBody>
-      </p:sp>
-    </p:spTree>
-    <p:extLst>
-      <p:ext uri="{BB962C8B-B14F-4D97-AF65-F5344CB8AC3E}">
-        <p14:creationId xmlns:p14="http://schemas.microsoft.com/office/powerpoint/2010/main" val="718013593"/>
-      </p:ext>
-    </p:extLst>
-  </p:cSld>
-  <p:clrMapOvr>
-    <a:masterClrMapping/>
-  </p:clrMapOvr>
-</p:sld>
-</file>
-
-<file path=ppt/slides/slide7.xml><?xml version="1.0" encoding="utf-8"?>
-<p:sld xmlns:a="http://schemas.openxmlformats.org/drawingml/2006/main" xmlns:r="http://schemas.openxmlformats.org/officeDocument/2006/relationships" xmlns:p="http://schemas.openxmlformats.org/presentationml/2006/main">
-  <p:cSld>
-    <p:spTree>
-      <p:nvGrpSpPr>
-        <p:cNvPr id="1" name=""/>
-        <p:cNvGrpSpPr/>
-        <p:nvPr/>
-      </p:nvGrpSpPr>
-      <p:grpSpPr>
-        <a:xfrm>
-          <a:off x="0" y="0"/>
-          <a:ext cx="0" cy="0"/>
-          <a:chOff x="0" y="0"/>
-          <a:chExt cx="0" cy="0"/>
-        </a:xfrm>
-      </p:grpSpPr>
-      <p:pic>
-        <p:nvPicPr>
-          <p:cNvPr id="2" name="Picture 1">
-            <a:extLst>
-              <a:ext uri="{FF2B5EF4-FFF2-40B4-BE49-F238E27FC236}">
-                <a16:creationId xmlns:a16="http://schemas.microsoft.com/office/drawing/2014/main" id="{C87E96E2-9616-EF07-4D07-1E4DCB6D04AF}"/>
-              </a:ext>
-            </a:extLst>
-          </p:cNvPr>
-          <p:cNvPicPr>
-            <a:picLocks noChangeAspect="1"/>
-          </p:cNvPicPr>
-          <p:nvPr/>
-        </p:nvPicPr>
-        <p:blipFill>
-          <a:blip r:embed="rId2"/>
-          <a:stretch>
-            <a:fillRect/>
-          </a:stretch>
-        </p:blipFill>
-        <p:spPr>
-          <a:xfrm>
-            <a:off x="685800" y="483243"/>
-            <a:ext cx="7772400" cy="5230026"/>
-          </a:xfrm>
-          <a:prstGeom prst="rect">
-            <a:avLst/>
-          </a:prstGeom>
-        </p:spPr>
-      </p:pic>
-      <p:sp>
-        <p:nvSpPr>
-          <p:cNvPr id="3" name="TextBox 2">
-            <a:extLst>
-              <a:ext uri="{FF2B5EF4-FFF2-40B4-BE49-F238E27FC236}">
-                <a16:creationId xmlns:a16="http://schemas.microsoft.com/office/drawing/2014/main" id="{7F09F2DA-8B98-18C8-D933-9293B29AA5A8}"/>
-              </a:ext>
-            </a:extLst>
-          </p:cNvPr>
-          <p:cNvSpPr txBox="1"/>
-          <p:nvPr/>
-        </p:nvSpPr>
-        <p:spPr>
-          <a:xfrm>
-            <a:off x="5530174" y="670886"/>
-            <a:ext cx="2373549" cy="369332"/>
-          </a:xfrm>
-          <a:prstGeom prst="rect">
-            <a:avLst/>
-          </a:prstGeom>
-          <a:noFill/>
-        </p:spPr>
-        <p:txBody>
-          <a:bodyPr wrap="square" rtlCol="0">
-            <a:spAutoFit/>
-          </a:bodyPr>
-          <a:lstStyle/>
-          <a:p>
-            <a:r>
-              <a:rPr lang="en-US" dirty="0">
-                <a:solidFill>
-                  <a:srgbClr val="FF0000"/>
-                </a:solidFill>
-              </a:rPr>
-              <a:t>test base case first</a:t>
-            </a:r>
-          </a:p>
-        </p:txBody>
-      </p:sp>
-      <p:sp>
-        <p:nvSpPr>
-          <p:cNvPr id="6" name="TextBox 5">
-            <a:extLst>
-              <a:ext uri="{FF2B5EF4-FFF2-40B4-BE49-F238E27FC236}">
-                <a16:creationId xmlns:a16="http://schemas.microsoft.com/office/drawing/2014/main" id="{23B55FB3-D0F0-064F-E685-FA25048C42AF}"/>
-              </a:ext>
-            </a:extLst>
-          </p:cNvPr>
-          <p:cNvSpPr txBox="1"/>
-          <p:nvPr/>
-        </p:nvSpPr>
-        <p:spPr>
-          <a:xfrm>
-            <a:off x="4969213" y="1966525"/>
-            <a:ext cx="4174787" cy="646331"/>
-          </a:xfrm>
-          <a:prstGeom prst="rect">
-            <a:avLst/>
-          </a:prstGeom>
-          <a:noFill/>
-        </p:spPr>
-        <p:txBody>
-          <a:bodyPr wrap="square" rtlCol="0">
-            <a:spAutoFit/>
-          </a:bodyPr>
-          <a:lstStyle/>
-          <a:p>
-            <a:r>
-              <a:rPr lang="en-US" dirty="0">
-                <a:solidFill>
-                  <a:srgbClr val="FF0000"/>
-                </a:solidFill>
-              </a:rPr>
-              <a:t>test 2 long</a:t>
-            </a:r>
-          </a:p>
-          <a:p>
-            <a:r>
-              <a:rPr lang="en-US" dirty="0">
-                <a:solidFill>
-                  <a:srgbClr val="FF0000"/>
-                </a:solidFill>
-              </a:rPr>
-              <a:t>test recursion on both sides of conditional</a:t>
-            </a:r>
-          </a:p>
-        </p:txBody>
-      </p:sp>
-      <p:sp>
-        <p:nvSpPr>
-          <p:cNvPr id="4" name="TextBox 3">
-            <a:extLst>
-              <a:ext uri="{FF2B5EF4-FFF2-40B4-BE49-F238E27FC236}">
-                <a16:creationId xmlns:a16="http://schemas.microsoft.com/office/drawing/2014/main" id="{103A63C8-DFEE-A7F2-9F25-4E007855E403}"/>
-              </a:ext>
-            </a:extLst>
-          </p:cNvPr>
-          <p:cNvSpPr txBox="1"/>
-          <p:nvPr/>
-        </p:nvSpPr>
-        <p:spPr>
-          <a:xfrm>
-            <a:off x="4790874" y="3539163"/>
-            <a:ext cx="4174787" cy="369332"/>
-          </a:xfrm>
-          <a:prstGeom prst="rect">
-            <a:avLst/>
-          </a:prstGeom>
-          <a:noFill/>
-        </p:spPr>
-        <p:txBody>
-          <a:bodyPr wrap="square" rtlCol="0">
-            <a:spAutoFit/>
-          </a:bodyPr>
-          <a:lstStyle/>
-          <a:p>
-            <a:r>
-              <a:rPr lang="en-US" dirty="0">
-                <a:solidFill>
-                  <a:srgbClr val="FF0000"/>
-                </a:solidFill>
-              </a:rPr>
-              <a:t>rename natural recursion when templating</a:t>
-            </a:r>
-          </a:p>
-        </p:txBody>
-      </p:sp>
-      <p:sp>
-        <p:nvSpPr>
-          <p:cNvPr id="7" name="TextBox 6">
-            <a:extLst>
-              <a:ext uri="{FF2B5EF4-FFF2-40B4-BE49-F238E27FC236}">
-                <a16:creationId xmlns:a16="http://schemas.microsoft.com/office/drawing/2014/main" id="{B9E15A1C-8DF6-F4F4-298A-5CD10F9F479A}"/>
-              </a:ext>
-            </a:extLst>
-          </p:cNvPr>
-          <p:cNvSpPr txBox="1"/>
-          <p:nvPr/>
-        </p:nvSpPr>
-        <p:spPr>
-          <a:xfrm>
-            <a:off x="2431105" y="5576258"/>
-            <a:ext cx="5076215" cy="1200329"/>
-          </a:xfrm>
-          <a:prstGeom prst="rect">
-            <a:avLst/>
-          </a:prstGeom>
-          <a:noFill/>
-        </p:spPr>
-        <p:txBody>
-          <a:bodyPr wrap="square" rtlCol="0">
-            <a:spAutoFit/>
-          </a:bodyPr>
-          <a:lstStyle/>
-          <a:p>
-            <a:r>
-              <a:rPr lang="en-US" dirty="0">
-                <a:solidFill>
-                  <a:srgbClr val="FF0000"/>
-                </a:solidFill>
-              </a:rPr>
-              <a:t>can "trust the natural recursion” if and only if:</a:t>
-            </a:r>
-            <a:br>
-              <a:rPr lang="en-US" dirty="0">
-                <a:solidFill>
-                  <a:srgbClr val="FF0000"/>
-                </a:solidFill>
-              </a:rPr>
-            </a:br>
-            <a:r>
-              <a:rPr lang="en-US" dirty="0">
-                <a:solidFill>
-                  <a:srgbClr val="FF0000"/>
-                </a:solidFill>
-              </a:rPr>
-              <a:t>   - correct base case result</a:t>
-            </a:r>
-          </a:p>
-          <a:p>
-            <a:r>
-              <a:rPr lang="en-US" dirty="0">
-                <a:solidFill>
-                  <a:srgbClr val="FF0000"/>
-                </a:solidFill>
-              </a:rPr>
-              <a:t>   - correct contribution of first</a:t>
-            </a:r>
-          </a:p>
-          <a:p>
-            <a:r>
-              <a:rPr lang="en-US" dirty="0">
-                <a:solidFill>
-                  <a:srgbClr val="FF0000"/>
-                </a:solidFill>
-              </a:rPr>
-              <a:t>   - </a:t>
-            </a:r>
-            <a:r>
-              <a:rPr lang="en-US" dirty="0" err="1">
-                <a:solidFill>
-                  <a:srgbClr val="FF0000"/>
-                </a:solidFill>
-              </a:rPr>
-              <a:t>correc</a:t>
-            </a:r>
-            <a:r>
-              <a:rPr lang="en-US" dirty="0">
-                <a:solidFill>
-                  <a:srgbClr val="FF0000"/>
-                </a:solidFill>
-              </a:rPr>
-              <a:t> combination</a:t>
-            </a:r>
-          </a:p>
-        </p:txBody>
-      </p:sp>
-      <p:sp>
-        <p:nvSpPr>
-          <p:cNvPr id="8" name="TextBox 7">
-            <a:extLst>
-              <a:ext uri="{FF2B5EF4-FFF2-40B4-BE49-F238E27FC236}">
-                <a16:creationId xmlns:a16="http://schemas.microsoft.com/office/drawing/2014/main" id="{AA703BAA-5AC0-5DE2-E02E-3FDA397D5E01}"/>
-              </a:ext>
-            </a:extLst>
-          </p:cNvPr>
-          <p:cNvSpPr txBox="1"/>
-          <p:nvPr/>
-        </p:nvSpPr>
-        <p:spPr>
-          <a:xfrm>
-            <a:off x="264270" y="42150"/>
-            <a:ext cx="8471168" cy="369332"/>
-          </a:xfrm>
-          <a:prstGeom prst="rect">
-            <a:avLst/>
-          </a:prstGeom>
-          <a:noFill/>
-        </p:spPr>
-        <p:txBody>
-          <a:bodyPr wrap="square" rtlCol="0">
-            <a:spAutoFit/>
-          </a:bodyPr>
-          <a:lstStyle/>
-          <a:p>
-            <a:r>
-              <a:rPr lang="en-US" dirty="0">
-                <a:solidFill>
-                  <a:srgbClr val="FF0000"/>
-                </a:solidFill>
-              </a:rPr>
-              <a:t>arbitrary-sized information -&gt; requires self-referential data definition</a:t>
-            </a:r>
-          </a:p>
-        </p:txBody>
-      </p:sp>
-    </p:spTree>
-    <p:extLst>
-      <p:ext uri="{BB962C8B-B14F-4D97-AF65-F5344CB8AC3E}">
-        <p14:creationId xmlns:p14="http://schemas.microsoft.com/office/powerpoint/2010/main" val="273724266"/>
-      </p:ext>
-    </p:extLst>
-  </p:cSld>
-  <p:clrMapOvr>
-    <a:masterClrMapping/>
-  </p:clrMapOvr>
-</p:sld>
-</file>
-
-<file path=ppt/slides/slide8.xml><?xml version="1.0" encoding="utf-8"?>
-<p:sld xmlns:a="http://schemas.openxmlformats.org/drawingml/2006/main" xmlns:r="http://schemas.openxmlformats.org/officeDocument/2006/relationships" xmlns:p="http://schemas.openxmlformats.org/presentationml/2006/main">
-  <p:cSld>
-    <p:spTree>
-      <p:nvGrpSpPr>
-        <p:cNvPr id="1" name=""/>
-        <p:cNvGrpSpPr/>
-        <p:nvPr/>
-      </p:nvGrpSpPr>
-      <p:grpSpPr>
-        <a:xfrm>
-          <a:off x="0" y="0"/>
-          <a:ext cx="0" cy="0"/>
-          <a:chOff x="0" y="0"/>
-          <a:chExt cx="0" cy="0"/>
-        </a:xfrm>
-      </p:grpSpPr>
-      <p:graphicFrame>
-        <p:nvGraphicFramePr>
-          <p:cNvPr id="2" name="Table 2">
-            <a:extLst>
-              <a:ext uri="{FF2B5EF4-FFF2-40B4-BE49-F238E27FC236}">
-                <a16:creationId xmlns:a16="http://schemas.microsoft.com/office/drawing/2014/main" id="{C7AAE944-9B9E-2A1A-9543-DA8D9574F695}"/>
-              </a:ext>
-            </a:extLst>
-          </p:cNvPr>
-          <p:cNvGraphicFramePr>
-            <a:graphicFrameLocks noGrp="1"/>
-          </p:cNvGraphicFramePr>
-          <p:nvPr>
-            <p:extLst>
-              <p:ext uri="{D42A27DB-BD31-4B8C-83A1-F6EECF244321}">
-                <p14:modId xmlns:p14="http://schemas.microsoft.com/office/powerpoint/2010/main" val="863462439"/>
-              </p:ext>
-            </p:extLst>
-          </p:nvPr>
-        </p:nvGraphicFramePr>
-        <p:xfrm>
-          <a:off x="428016" y="1397000"/>
-          <a:ext cx="8482519" cy="2590800"/>
-        </p:xfrm>
-        <a:graphic>
-          <a:graphicData uri="http://schemas.openxmlformats.org/drawingml/2006/table">
-            <a:tbl>
-              <a:tblPr firstRow="1" bandRow="1">
-                <a:tableStyleId>{F5AB1C69-6EDB-4FF4-983F-18BD219EF322}</a:tableStyleId>
-              </a:tblPr>
-              <a:tblGrid>
-                <a:gridCol w="1750980">
-                  <a:extLst>
-                    <a:ext uri="{9D8B030D-6E8A-4147-A177-3AD203B41FA5}">
-                      <a16:colId xmlns:a16="http://schemas.microsoft.com/office/drawing/2014/main" val="167768130"/>
-                    </a:ext>
-                  </a:extLst>
-                </a:gridCol>
-                <a:gridCol w="2791838">
-                  <a:extLst>
-                    <a:ext uri="{9D8B030D-6E8A-4147-A177-3AD203B41FA5}">
-                      <a16:colId xmlns:a16="http://schemas.microsoft.com/office/drawing/2014/main" val="2579470436"/>
-                    </a:ext>
-                  </a:extLst>
-                </a:gridCol>
-                <a:gridCol w="3939701">
-                  <a:extLst>
-                    <a:ext uri="{9D8B030D-6E8A-4147-A177-3AD203B41FA5}">
-                      <a16:colId xmlns:a16="http://schemas.microsoft.com/office/drawing/2014/main" val="2107031783"/>
-                    </a:ext>
-                  </a:extLst>
-                </a:gridCol>
-              </a:tblGrid>
-              <a:tr h="370840">
-                <a:tc>
-                  <a:txBody>
-                    <a:bodyPr/>
-                    <a:lstStyle/>
-                    <a:p>
-                      <a:r>
-                        <a:rPr lang="en-US" sz="2800" dirty="0"/>
-                        <a:t>Function</a:t>
-                      </a:r>
-                    </a:p>
-                  </a:txBody>
-                  <a:tcPr/>
-                </a:tc>
-                <a:tc>
-                  <a:txBody>
-                    <a:bodyPr/>
-                    <a:lstStyle/>
-                    <a:p>
-                      <a:r>
-                        <a:rPr lang="en-US" sz="2800" dirty="0"/>
-                        <a:t>Base case result</a:t>
-                      </a:r>
-                    </a:p>
-                  </a:txBody>
-                  <a:tcPr/>
-                </a:tc>
-                <a:tc>
-                  <a:txBody>
-                    <a:bodyPr/>
-                    <a:lstStyle/>
-                    <a:p>
-                      <a:r>
-                        <a:rPr lang="en-US" sz="2800" dirty="0"/>
-                        <a:t>Combination</a:t>
-                      </a:r>
-                    </a:p>
-                  </a:txBody>
-                  <a:tcPr/>
-                </a:tc>
-                <a:extLst>
-                  <a:ext uri="{0D108BD9-81ED-4DB2-BD59-A6C34878D82A}">
-                    <a16:rowId xmlns:a16="http://schemas.microsoft.com/office/drawing/2014/main" val="104725758"/>
-                  </a:ext>
-                </a:extLst>
-              </a:tr>
-              <a:tr h="370840">
-                <a:tc>
-                  <a:txBody>
-                    <a:bodyPr/>
-                    <a:lstStyle/>
-                    <a:p>
-                      <a:endParaRPr lang="en-US" sz="2800" dirty="0"/>
-                    </a:p>
-                  </a:txBody>
-                  <a:tcPr/>
-                </a:tc>
-                <a:tc>
-                  <a:txBody>
-                    <a:bodyPr/>
-                    <a:lstStyle/>
-                    <a:p>
-                      <a:endParaRPr lang="en-US" sz="2800" dirty="0"/>
-                    </a:p>
-                  </a:txBody>
-                  <a:tcPr/>
-                </a:tc>
-                <a:tc>
-                  <a:txBody>
-                    <a:bodyPr/>
-                    <a:lstStyle/>
-                    <a:p>
-                      <a:endParaRPr lang="en-US" sz="2800" dirty="0"/>
-                    </a:p>
-                  </a:txBody>
-                  <a:tcPr/>
-                </a:tc>
-                <a:extLst>
-                  <a:ext uri="{0D108BD9-81ED-4DB2-BD59-A6C34878D82A}">
-                    <a16:rowId xmlns:a16="http://schemas.microsoft.com/office/drawing/2014/main" val="434018631"/>
-                  </a:ext>
-                </a:extLst>
-              </a:tr>
-              <a:tr h="370840">
-                <a:tc>
-                  <a:txBody>
-                    <a:bodyPr/>
-                    <a:lstStyle/>
-                    <a:p>
-                      <a:endParaRPr lang="en-US" sz="2800" dirty="0"/>
-                    </a:p>
-                  </a:txBody>
-                  <a:tcPr/>
-                </a:tc>
-                <a:tc>
-                  <a:txBody>
-                    <a:bodyPr/>
-                    <a:lstStyle/>
-                    <a:p>
-                      <a:endParaRPr lang="en-US" sz="2800" dirty="0"/>
-                    </a:p>
-                  </a:txBody>
-                  <a:tcPr/>
-                </a:tc>
-                <a:tc>
-                  <a:txBody>
-                    <a:bodyPr/>
-                    <a:lstStyle/>
-                    <a:p>
-                      <a:endParaRPr lang="en-US" sz="2800" dirty="0"/>
-                    </a:p>
-                  </a:txBody>
-                  <a:tcPr/>
-                </a:tc>
-                <a:extLst>
-                  <a:ext uri="{0D108BD9-81ED-4DB2-BD59-A6C34878D82A}">
-                    <a16:rowId xmlns:a16="http://schemas.microsoft.com/office/drawing/2014/main" val="693891116"/>
-                  </a:ext>
-                </a:extLst>
-              </a:tr>
-              <a:tr h="370840">
-                <a:tc>
-                  <a:txBody>
-                    <a:bodyPr/>
-                    <a:lstStyle/>
-                    <a:p>
-                      <a:endParaRPr lang="en-US" sz="2800" dirty="0"/>
-                    </a:p>
-                  </a:txBody>
-                  <a:tcPr/>
-                </a:tc>
-                <a:tc>
-                  <a:txBody>
-                    <a:bodyPr/>
-                    <a:lstStyle/>
-                    <a:p>
-                      <a:endParaRPr lang="en-US" sz="2800" dirty="0"/>
-                    </a:p>
-                  </a:txBody>
-                  <a:tcPr/>
-                </a:tc>
-                <a:tc>
-                  <a:txBody>
-                    <a:bodyPr/>
-                    <a:lstStyle/>
-                    <a:p>
-                      <a:endParaRPr lang="en-US" sz="2800" dirty="0"/>
-                    </a:p>
-                  </a:txBody>
-                  <a:tcPr/>
-                </a:tc>
-                <a:extLst>
-                  <a:ext uri="{0D108BD9-81ED-4DB2-BD59-A6C34878D82A}">
-                    <a16:rowId xmlns:a16="http://schemas.microsoft.com/office/drawing/2014/main" val="1308955687"/>
-                  </a:ext>
-                </a:extLst>
-              </a:tr>
-              <a:tr h="370840">
-                <a:tc>
-                  <a:txBody>
-                    <a:bodyPr/>
-                    <a:lstStyle/>
-                    <a:p>
-                      <a:endParaRPr lang="en-US" sz="2800" dirty="0"/>
-                    </a:p>
-                  </a:txBody>
-                  <a:tcPr/>
-                </a:tc>
-                <a:tc>
-                  <a:txBody>
-                    <a:bodyPr/>
-                    <a:lstStyle/>
-                    <a:p>
-                      <a:endParaRPr lang="en-US" sz="2800" dirty="0"/>
-                    </a:p>
-                  </a:txBody>
-                  <a:tcPr/>
-                </a:tc>
-                <a:tc>
-                  <a:txBody>
-                    <a:bodyPr/>
-                    <a:lstStyle/>
-                    <a:p>
-                      <a:endParaRPr lang="en-US" sz="2800" dirty="0"/>
-                    </a:p>
-                  </a:txBody>
-                  <a:tcPr/>
-                </a:tc>
-                <a:extLst>
-                  <a:ext uri="{0D108BD9-81ED-4DB2-BD59-A6C34878D82A}">
-                    <a16:rowId xmlns:a16="http://schemas.microsoft.com/office/drawing/2014/main" val="3166874194"/>
-                  </a:ext>
-                </a:extLst>
-              </a:tr>
-            </a:tbl>
-          </a:graphicData>
-        </a:graphic>
-      </p:graphicFrame>
-    </p:spTree>
-    <p:extLst>
-      <p:ext uri="{BB962C8B-B14F-4D97-AF65-F5344CB8AC3E}">
-        <p14:creationId xmlns:p14="http://schemas.microsoft.com/office/powerpoint/2010/main" val="1624495933"/>
-      </p:ext>
-    </p:extLst>
-  </p:cSld>
-  <p:clrMapOvr>
-    <a:masterClrMapping/>
-  </p:clrMapOvr>
-</p:sld>
-</file>
-
-<file path=ppt/slides/slide9.xml><?xml version="1.0" encoding="utf-8"?>
+<file path=ppt/slides/slide10.xml><?xml version="1.0" encoding="utf-8"?>
 <p:sld xmlns:a="http://schemas.openxmlformats.org/drawingml/2006/main" xmlns:r="http://schemas.openxmlformats.org/officeDocument/2006/relationships" xmlns:p="http://schemas.openxmlformats.org/presentationml/2006/main">
   <p:cSld>
     <p:spTree>
@@ -5152,6 +3872,1882 @@
 </p:sld>
 </file>
 
+<file path=ppt/slides/slide2.xml><?xml version="1.0" encoding="utf-8"?>
+<p:sld xmlns:a="http://schemas.openxmlformats.org/drawingml/2006/main" xmlns:r="http://schemas.openxmlformats.org/officeDocument/2006/relationships" xmlns:p="http://schemas.openxmlformats.org/presentationml/2006/main">
+  <p:cSld>
+    <p:spTree>
+      <p:nvGrpSpPr>
+        <p:cNvPr id="1" name=""/>
+        <p:cNvGrpSpPr/>
+        <p:nvPr/>
+      </p:nvGrpSpPr>
+      <p:grpSpPr>
+        <a:xfrm>
+          <a:off x="0" y="0"/>
+          <a:ext cx="0" cy="0"/>
+          <a:chOff x="0" y="0"/>
+          <a:chExt cx="0" cy="0"/>
+        </a:xfrm>
+      </p:grpSpPr>
+      <p:sp>
+        <p:nvSpPr>
+          <p:cNvPr id="2" name="Title 1">
+            <a:extLst>
+              <a:ext uri="{FF2B5EF4-FFF2-40B4-BE49-F238E27FC236}">
+                <a16:creationId xmlns:a16="http://schemas.microsoft.com/office/drawing/2014/main" id="{BFD18A50-986A-1E5C-1B6F-00D55BAF3AB1}"/>
+              </a:ext>
+            </a:extLst>
+          </p:cNvPr>
+          <p:cNvSpPr>
+            <a:spLocks noGrp="1"/>
+          </p:cNvSpPr>
+          <p:nvPr>
+            <p:ph type="title"/>
+          </p:nvPr>
+        </p:nvSpPr>
+        <p:spPr/>
+        <p:txBody>
+          <a:bodyPr/>
+          <a:lstStyle/>
+          <a:p>
+            <a:r>
+              <a:rPr lang="en-US" dirty="0"/>
+              <a:t>Lecture 06</a:t>
+            </a:r>
+          </a:p>
+        </p:txBody>
+      </p:sp>
+      <p:sp>
+        <p:nvSpPr>
+          <p:cNvPr id="3" name="Content Placeholder 2">
+            <a:extLst>
+              <a:ext uri="{FF2B5EF4-FFF2-40B4-BE49-F238E27FC236}">
+                <a16:creationId xmlns:a16="http://schemas.microsoft.com/office/drawing/2014/main" id="{40EF2DE1-0B51-AE00-68D9-E9416730BFAB}"/>
+              </a:ext>
+            </a:extLst>
+          </p:cNvPr>
+          <p:cNvSpPr>
+            <a:spLocks noGrp="1"/>
+          </p:cNvSpPr>
+          <p:nvPr>
+            <p:ph idx="1"/>
+          </p:nvPr>
+        </p:nvSpPr>
+        <p:spPr/>
+        <p:txBody>
+          <a:bodyPr>
+            <a:normAutofit lnSpcReduction="10000"/>
+          </a:bodyPr>
+          <a:lstStyle/>
+          <a:p>
+            <a:r>
+              <a:rPr lang="en-US" dirty="0"/>
+              <a:t>Arbitrary-sized data</a:t>
+            </a:r>
+          </a:p>
+          <a:p>
+            <a:pPr lvl="1"/>
+            <a:r>
+              <a:rPr lang="en-US" dirty="0"/>
+              <a:t>All my favorite hocky teams (L06)</a:t>
+            </a:r>
+          </a:p>
+          <a:p>
+            <a:pPr lvl="1"/>
+            <a:r>
+              <a:rPr lang="en-US" dirty="0"/>
+              <a:t>All the eggs falling around Mario (L07)</a:t>
+            </a:r>
+          </a:p>
+          <a:p>
+            <a:pPr lvl="1"/>
+            <a:r>
+              <a:rPr lang="en-US" dirty="0"/>
+              <a:t>All the balls bouncing around the box (</a:t>
+            </a:r>
+            <a:r>
+              <a:rPr lang="en-US" dirty="0" err="1"/>
+              <a:t>Pset</a:t>
+            </a:r>
+            <a:r>
+              <a:rPr lang="en-US" dirty="0"/>
+              <a:t> 4)</a:t>
+            </a:r>
+          </a:p>
+          <a:p>
+            <a:pPr lvl="1"/>
+            <a:r>
+              <a:rPr lang="en-US" dirty="0"/>
+              <a:t>…</a:t>
+            </a:r>
+          </a:p>
+          <a:p>
+            <a:r>
+              <a:rPr lang="en-US" dirty="0"/>
+              <a:t>Self-referential type comments</a:t>
+            </a:r>
+          </a:p>
+          <a:p>
+            <a:r>
+              <a:rPr lang="en-US" dirty="0"/>
+              <a:t>Naturally recursive functions</a:t>
+            </a:r>
+          </a:p>
+          <a:p>
+            <a:endParaRPr lang="en-US" dirty="0"/>
+          </a:p>
+          <a:p>
+            <a:r>
+              <a:rPr lang="en-US" dirty="0"/>
+              <a:t>Sound theory makes it easy to understand functions that might otherwise be confusing</a:t>
+            </a:r>
+          </a:p>
+          <a:p>
+            <a:pPr lvl="1"/>
+            <a:endParaRPr lang="en-US" dirty="0"/>
+          </a:p>
+        </p:txBody>
+      </p:sp>
+    </p:spTree>
+    <p:extLst>
+      <p:ext uri="{BB962C8B-B14F-4D97-AF65-F5344CB8AC3E}">
+        <p14:creationId xmlns:p14="http://schemas.microsoft.com/office/powerpoint/2010/main" val="4207675452"/>
+      </p:ext>
+    </p:extLst>
+  </p:cSld>
+  <p:clrMapOvr>
+    <a:masterClrMapping/>
+  </p:clrMapOvr>
+</p:sld>
+</file>
+
+<file path=ppt/slides/slide3.xml><?xml version="1.0" encoding="utf-8"?>
+<p:sld xmlns:a="http://schemas.openxmlformats.org/drawingml/2006/main" xmlns:r="http://schemas.openxmlformats.org/officeDocument/2006/relationships" xmlns:p="http://schemas.openxmlformats.org/presentationml/2006/main">
+  <p:cSld>
+    <p:spTree>
+      <p:nvGrpSpPr>
+        <p:cNvPr id="1" name=""/>
+        <p:cNvGrpSpPr/>
+        <p:nvPr/>
+      </p:nvGrpSpPr>
+      <p:grpSpPr>
+        <a:xfrm>
+          <a:off x="0" y="0"/>
+          <a:ext cx="0" cy="0"/>
+          <a:chOff x="0" y="0"/>
+          <a:chExt cx="0" cy="0"/>
+        </a:xfrm>
+      </p:grpSpPr>
+      <p:pic>
+        <p:nvPicPr>
+          <p:cNvPr id="8" name="Picture 7">
+            <a:extLst>
+              <a:ext uri="{FF2B5EF4-FFF2-40B4-BE49-F238E27FC236}">
+                <a16:creationId xmlns:a16="http://schemas.microsoft.com/office/drawing/2014/main" id="{0C107C35-3086-F170-D5DB-3048FF278CDE}"/>
+              </a:ext>
+            </a:extLst>
+          </p:cNvPr>
+          <p:cNvPicPr>
+            <a:picLocks noChangeAspect="1"/>
+          </p:cNvPicPr>
+          <p:nvPr/>
+        </p:nvPicPr>
+        <p:blipFill>
+          <a:blip r:embed="rId2"/>
+          <a:stretch>
+            <a:fillRect/>
+          </a:stretch>
+        </p:blipFill>
+        <p:spPr>
+          <a:xfrm>
+            <a:off x="1327150" y="342900"/>
+            <a:ext cx="6489700" cy="6172200"/>
+          </a:xfrm>
+          <a:prstGeom prst="rect">
+            <a:avLst/>
+          </a:prstGeom>
+        </p:spPr>
+      </p:pic>
+    </p:spTree>
+    <p:extLst>
+      <p:ext uri="{BB962C8B-B14F-4D97-AF65-F5344CB8AC3E}">
+        <p14:creationId xmlns:p14="http://schemas.microsoft.com/office/powerpoint/2010/main" val="2973818612"/>
+      </p:ext>
+    </p:extLst>
+  </p:cSld>
+  <p:clrMapOvr>
+    <a:masterClrMapping/>
+  </p:clrMapOvr>
+</p:sld>
+</file>
+
+<file path=ppt/slides/slide4.xml><?xml version="1.0" encoding="utf-8"?>
+<p:sld xmlns:a="http://schemas.openxmlformats.org/drawingml/2006/main" xmlns:r="http://schemas.openxmlformats.org/officeDocument/2006/relationships" xmlns:p="http://schemas.openxmlformats.org/presentationml/2006/main">
+  <p:cSld>
+    <p:spTree>
+      <p:nvGrpSpPr>
+        <p:cNvPr id="1" name=""/>
+        <p:cNvGrpSpPr/>
+        <p:nvPr/>
+      </p:nvGrpSpPr>
+      <p:grpSpPr>
+        <a:xfrm>
+          <a:off x="0" y="0"/>
+          <a:ext cx="0" cy="0"/>
+          <a:chOff x="0" y="0"/>
+          <a:chExt cx="0" cy="0"/>
+        </a:xfrm>
+      </p:grpSpPr>
+      <p:pic>
+        <p:nvPicPr>
+          <p:cNvPr id="8" name="Picture 7">
+            <a:extLst>
+              <a:ext uri="{FF2B5EF4-FFF2-40B4-BE49-F238E27FC236}">
+                <a16:creationId xmlns:a16="http://schemas.microsoft.com/office/drawing/2014/main" id="{0C107C35-3086-F170-D5DB-3048FF278CDE}"/>
+              </a:ext>
+            </a:extLst>
+          </p:cNvPr>
+          <p:cNvPicPr>
+            <a:picLocks noChangeAspect="1"/>
+          </p:cNvPicPr>
+          <p:nvPr/>
+        </p:nvPicPr>
+        <p:blipFill>
+          <a:blip r:embed="rId2"/>
+          <a:stretch>
+            <a:fillRect/>
+          </a:stretch>
+        </p:blipFill>
+        <p:spPr>
+          <a:xfrm>
+            <a:off x="1327150" y="342900"/>
+            <a:ext cx="6489700" cy="6172200"/>
+          </a:xfrm>
+          <a:prstGeom prst="rect">
+            <a:avLst/>
+          </a:prstGeom>
+        </p:spPr>
+      </p:pic>
+      <p:sp>
+        <p:nvSpPr>
+          <p:cNvPr id="9" name="Freeform 8">
+            <a:extLst>
+              <a:ext uri="{FF2B5EF4-FFF2-40B4-BE49-F238E27FC236}">
+                <a16:creationId xmlns:a16="http://schemas.microsoft.com/office/drawing/2014/main" id="{6A4C3B91-E6BE-E706-E011-C959D617DEB9}"/>
+              </a:ext>
+            </a:extLst>
+          </p:cNvPr>
+          <p:cNvSpPr/>
+          <p:nvPr/>
+        </p:nvSpPr>
+        <p:spPr>
+          <a:xfrm>
+            <a:off x="3521411" y="735436"/>
+            <a:ext cx="3217681" cy="1657570"/>
+          </a:xfrm>
+          <a:custGeom>
+            <a:avLst/>
+            <a:gdLst>
+              <a:gd name="connsiteX0" fmla="*/ 2490280 w 3149392"/>
+              <a:gd name="connsiteY0" fmla="*/ 1314857 h 1314857"/>
+              <a:gd name="connsiteX1" fmla="*/ 2986391 w 3149392"/>
+              <a:gd name="connsiteY1" fmla="*/ 118354 h 1314857"/>
+              <a:gd name="connsiteX2" fmla="*/ 0 w 3149392"/>
+              <a:gd name="connsiteY2" fmla="*/ 108627 h 1314857"/>
+              <a:gd name="connsiteX0" fmla="*/ 2490280 w 3102386"/>
+              <a:gd name="connsiteY0" fmla="*/ 1434350 h 1434350"/>
+              <a:gd name="connsiteX1" fmla="*/ 2927707 w 3102386"/>
+              <a:gd name="connsiteY1" fmla="*/ 74511 h 1434350"/>
+              <a:gd name="connsiteX2" fmla="*/ 0 w 3102386"/>
+              <a:gd name="connsiteY2" fmla="*/ 228120 h 1434350"/>
+              <a:gd name="connsiteX0" fmla="*/ 1932779 w 3029837"/>
+              <a:gd name="connsiteY0" fmla="*/ 1369016 h 1369016"/>
+              <a:gd name="connsiteX1" fmla="*/ 2927707 w 3029837"/>
+              <a:gd name="connsiteY1" fmla="*/ 74511 h 1369016"/>
+              <a:gd name="connsiteX2" fmla="*/ 0 w 3029837"/>
+              <a:gd name="connsiteY2" fmla="*/ 228120 h 1369016"/>
+              <a:gd name="connsiteX0" fmla="*/ 2138174 w 3235232"/>
+              <a:gd name="connsiteY0" fmla="*/ 1357951 h 1357951"/>
+              <a:gd name="connsiteX1" fmla="*/ 3133102 w 3235232"/>
+              <a:gd name="connsiteY1" fmla="*/ 63446 h 1357951"/>
+              <a:gd name="connsiteX2" fmla="*/ 0 w 3235232"/>
+              <a:gd name="connsiteY2" fmla="*/ 290557 h 1357951"/>
+              <a:gd name="connsiteX0" fmla="*/ 2138174 w 3235232"/>
+              <a:gd name="connsiteY0" fmla="*/ 1391605 h 1391605"/>
+              <a:gd name="connsiteX1" fmla="*/ 3133102 w 3235232"/>
+              <a:gd name="connsiteY1" fmla="*/ 97100 h 1391605"/>
+              <a:gd name="connsiteX2" fmla="*/ 0 w 3235232"/>
+              <a:gd name="connsiteY2" fmla="*/ 324211 h 1391605"/>
+            </a:gdLst>
+            <a:ahLst/>
+            <a:cxnLst>
+              <a:cxn ang="0">
+                <a:pos x="connsiteX0" y="connsiteY0"/>
+              </a:cxn>
+              <a:cxn ang="0">
+                <a:pos x="connsiteX1" y="connsiteY1"/>
+              </a:cxn>
+              <a:cxn ang="0">
+                <a:pos x="connsiteX2" y="connsiteY2"/>
+              </a:cxn>
+            </a:cxnLst>
+            <a:rect l="l" t="t" r="r" b="b"/>
+            <a:pathLst>
+              <a:path w="3235232" h="1391605">
+                <a:moveTo>
+                  <a:pt x="2138174" y="1391605"/>
+                </a:moveTo>
+                <a:cubicBezTo>
+                  <a:pt x="2593753" y="893872"/>
+                  <a:pt x="3548149" y="298138"/>
+                  <a:pt x="3133102" y="97100"/>
+                </a:cubicBezTo>
+                <a:cubicBezTo>
+                  <a:pt x="2718055" y="-103938"/>
+                  <a:pt x="1178083" y="24385"/>
+                  <a:pt x="0" y="324211"/>
+                </a:cubicBezTo>
+              </a:path>
+            </a:pathLst>
+          </a:custGeom>
+          <a:noFill/>
+          <a:ln w="28575">
+            <a:tailEnd type="arrow"/>
+          </a:ln>
+        </p:spPr>
+        <p:style>
+          <a:lnRef idx="2">
+            <a:schemeClr val="accent1">
+              <a:shade val="50000"/>
+            </a:schemeClr>
+          </a:lnRef>
+          <a:fillRef idx="1">
+            <a:schemeClr val="accent1"/>
+          </a:fillRef>
+          <a:effectRef idx="0">
+            <a:schemeClr val="accent1"/>
+          </a:effectRef>
+          <a:fontRef idx="minor">
+            <a:schemeClr val="lt1"/>
+          </a:fontRef>
+        </p:style>
+        <p:txBody>
+          <a:bodyPr rtlCol="0" anchor="ctr"/>
+          <a:lstStyle/>
+          <a:p>
+            <a:pPr algn="ctr"/>
+            <a:endParaRPr lang="en-US" dirty="0"/>
+          </a:p>
+        </p:txBody>
+      </p:sp>
+      <p:sp>
+        <p:nvSpPr>
+          <p:cNvPr id="10" name="TextBox 9">
+            <a:extLst>
+              <a:ext uri="{FF2B5EF4-FFF2-40B4-BE49-F238E27FC236}">
+                <a16:creationId xmlns:a16="http://schemas.microsoft.com/office/drawing/2014/main" id="{EEA596B0-F488-D01E-E278-B38376653347}"/>
+              </a:ext>
+            </a:extLst>
+          </p:cNvPr>
+          <p:cNvSpPr txBox="1"/>
+          <p:nvPr/>
+        </p:nvSpPr>
+        <p:spPr>
+          <a:xfrm>
+            <a:off x="6495900" y="1302611"/>
+            <a:ext cx="2194261" cy="523220"/>
+          </a:xfrm>
+          <a:prstGeom prst="rect">
+            <a:avLst/>
+          </a:prstGeom>
+          <a:noFill/>
+        </p:spPr>
+        <p:txBody>
+          <a:bodyPr wrap="square" rtlCol="0">
+            <a:spAutoFit/>
+          </a:bodyPr>
+          <a:lstStyle/>
+          <a:p>
+            <a:r>
+              <a:rPr lang="en-US" sz="2800" dirty="0"/>
+              <a:t>self reference</a:t>
+            </a:r>
+          </a:p>
+        </p:txBody>
+      </p:sp>
+      <p:sp>
+        <p:nvSpPr>
+          <p:cNvPr id="11" name="Freeform 10">
+            <a:extLst>
+              <a:ext uri="{FF2B5EF4-FFF2-40B4-BE49-F238E27FC236}">
+                <a16:creationId xmlns:a16="http://schemas.microsoft.com/office/drawing/2014/main" id="{D290A26B-5374-BC49-B34B-D51E43CC0480}"/>
+              </a:ext>
+            </a:extLst>
+          </p:cNvPr>
+          <p:cNvSpPr/>
+          <p:nvPr/>
+        </p:nvSpPr>
+        <p:spPr>
+          <a:xfrm>
+            <a:off x="4101829" y="3161969"/>
+            <a:ext cx="2079568" cy="2817302"/>
+          </a:xfrm>
+          <a:custGeom>
+            <a:avLst/>
+            <a:gdLst>
+              <a:gd name="connsiteX0" fmla="*/ 2490280 w 3149392"/>
+              <a:gd name="connsiteY0" fmla="*/ 1314857 h 1314857"/>
+              <a:gd name="connsiteX1" fmla="*/ 2986391 w 3149392"/>
+              <a:gd name="connsiteY1" fmla="*/ 118354 h 1314857"/>
+              <a:gd name="connsiteX2" fmla="*/ 0 w 3149392"/>
+              <a:gd name="connsiteY2" fmla="*/ 108627 h 1314857"/>
+              <a:gd name="connsiteX0" fmla="*/ 2490280 w 3102386"/>
+              <a:gd name="connsiteY0" fmla="*/ 1434350 h 1434350"/>
+              <a:gd name="connsiteX1" fmla="*/ 2927707 w 3102386"/>
+              <a:gd name="connsiteY1" fmla="*/ 74511 h 1434350"/>
+              <a:gd name="connsiteX2" fmla="*/ 0 w 3102386"/>
+              <a:gd name="connsiteY2" fmla="*/ 228120 h 1434350"/>
+              <a:gd name="connsiteX0" fmla="*/ 1932779 w 3029837"/>
+              <a:gd name="connsiteY0" fmla="*/ 1369016 h 1369016"/>
+              <a:gd name="connsiteX1" fmla="*/ 2927707 w 3029837"/>
+              <a:gd name="connsiteY1" fmla="*/ 74511 h 1369016"/>
+              <a:gd name="connsiteX2" fmla="*/ 0 w 3029837"/>
+              <a:gd name="connsiteY2" fmla="*/ 228120 h 1369016"/>
+              <a:gd name="connsiteX0" fmla="*/ 2138174 w 3235232"/>
+              <a:gd name="connsiteY0" fmla="*/ 1357951 h 1357951"/>
+              <a:gd name="connsiteX1" fmla="*/ 3133102 w 3235232"/>
+              <a:gd name="connsiteY1" fmla="*/ 63446 h 1357951"/>
+              <a:gd name="connsiteX2" fmla="*/ 0 w 3235232"/>
+              <a:gd name="connsiteY2" fmla="*/ 290557 h 1357951"/>
+              <a:gd name="connsiteX0" fmla="*/ 2138174 w 3235232"/>
+              <a:gd name="connsiteY0" fmla="*/ 1391605 h 1391605"/>
+              <a:gd name="connsiteX1" fmla="*/ 3133102 w 3235232"/>
+              <a:gd name="connsiteY1" fmla="*/ 97100 h 1391605"/>
+              <a:gd name="connsiteX2" fmla="*/ 0 w 3235232"/>
+              <a:gd name="connsiteY2" fmla="*/ 324211 h 1391605"/>
+              <a:gd name="connsiteX0" fmla="*/ 1101418 w 2198476"/>
+              <a:gd name="connsiteY0" fmla="*/ 2234540 h 2234540"/>
+              <a:gd name="connsiteX1" fmla="*/ 2096346 w 2198476"/>
+              <a:gd name="connsiteY1" fmla="*/ 940035 h 2234540"/>
+              <a:gd name="connsiteX2" fmla="*/ 0 w 2198476"/>
+              <a:gd name="connsiteY2" fmla="*/ 56460 h 2234540"/>
+              <a:gd name="connsiteX0" fmla="*/ 1101418 w 2064634"/>
+              <a:gd name="connsiteY0" fmla="*/ 2367030 h 2367030"/>
+              <a:gd name="connsiteX1" fmla="*/ 1949635 w 2064634"/>
+              <a:gd name="connsiteY1" fmla="*/ 190510 h 2367030"/>
+              <a:gd name="connsiteX2" fmla="*/ 0 w 2064634"/>
+              <a:gd name="connsiteY2" fmla="*/ 188950 h 2367030"/>
+              <a:gd name="connsiteX0" fmla="*/ 1101418 w 2064634"/>
+              <a:gd name="connsiteY0" fmla="*/ 2433327 h 2433327"/>
+              <a:gd name="connsiteX1" fmla="*/ 1949635 w 2064634"/>
+              <a:gd name="connsiteY1" fmla="*/ 256807 h 2433327"/>
+              <a:gd name="connsiteX2" fmla="*/ 0 w 2064634"/>
+              <a:gd name="connsiteY2" fmla="*/ 255247 h 2433327"/>
+              <a:gd name="connsiteX0" fmla="*/ 1101418 w 2064634"/>
+              <a:gd name="connsiteY0" fmla="*/ 2378526 h 2378526"/>
+              <a:gd name="connsiteX1" fmla="*/ 1949635 w 2064634"/>
+              <a:gd name="connsiteY1" fmla="*/ 202006 h 2378526"/>
+              <a:gd name="connsiteX2" fmla="*/ 0 w 2064634"/>
+              <a:gd name="connsiteY2" fmla="*/ 200446 h 2378526"/>
+              <a:gd name="connsiteX0" fmla="*/ 1101418 w 2090912"/>
+              <a:gd name="connsiteY0" fmla="*/ 2378526 h 2378526"/>
+              <a:gd name="connsiteX1" fmla="*/ 1949635 w 2090912"/>
+              <a:gd name="connsiteY1" fmla="*/ 202006 h 2378526"/>
+              <a:gd name="connsiteX2" fmla="*/ 0 w 2090912"/>
+              <a:gd name="connsiteY2" fmla="*/ 200446 h 2378526"/>
+              <a:gd name="connsiteX0" fmla="*/ 1101418 w 2090912"/>
+              <a:gd name="connsiteY0" fmla="*/ 2365252 h 2365252"/>
+              <a:gd name="connsiteX1" fmla="*/ 1949635 w 2090912"/>
+              <a:gd name="connsiteY1" fmla="*/ 188732 h 2365252"/>
+              <a:gd name="connsiteX2" fmla="*/ 0 w 2090912"/>
+              <a:gd name="connsiteY2" fmla="*/ 187172 h 2365252"/>
+            </a:gdLst>
+            <a:ahLst/>
+            <a:cxnLst>
+              <a:cxn ang="0">
+                <a:pos x="connsiteX0" y="connsiteY0"/>
+              </a:cxn>
+              <a:cxn ang="0">
+                <a:pos x="connsiteX1" y="connsiteY1"/>
+              </a:cxn>
+              <a:cxn ang="0">
+                <a:pos x="connsiteX2" y="connsiteY2"/>
+              </a:cxn>
+            </a:cxnLst>
+            <a:rect l="l" t="t" r="r" b="b"/>
+            <a:pathLst>
+              <a:path w="2090912" h="2365252">
+                <a:moveTo>
+                  <a:pt x="1101418" y="2365252"/>
+                </a:moveTo>
+                <a:cubicBezTo>
+                  <a:pt x="1556997" y="1867519"/>
+                  <a:pt x="2433147" y="553106"/>
+                  <a:pt x="1949635" y="188732"/>
+                </a:cubicBezTo>
+                <a:cubicBezTo>
+                  <a:pt x="1182482" y="-191976"/>
+                  <a:pt x="346722" y="107850"/>
+                  <a:pt x="0" y="187172"/>
+                </a:cubicBezTo>
+              </a:path>
+            </a:pathLst>
+          </a:custGeom>
+          <a:noFill/>
+          <a:ln w="28575">
+            <a:tailEnd type="arrow"/>
+          </a:ln>
+        </p:spPr>
+        <p:style>
+          <a:lnRef idx="2">
+            <a:schemeClr val="accent1">
+              <a:shade val="50000"/>
+            </a:schemeClr>
+          </a:lnRef>
+          <a:fillRef idx="1">
+            <a:schemeClr val="accent1"/>
+          </a:fillRef>
+          <a:effectRef idx="0">
+            <a:schemeClr val="accent1"/>
+          </a:effectRef>
+          <a:fontRef idx="minor">
+            <a:schemeClr val="lt1"/>
+          </a:fontRef>
+        </p:style>
+        <p:txBody>
+          <a:bodyPr rtlCol="0" anchor="ctr"/>
+          <a:lstStyle/>
+          <a:p>
+            <a:pPr algn="ctr"/>
+            <a:endParaRPr lang="en-US" dirty="0"/>
+          </a:p>
+        </p:txBody>
+      </p:sp>
+      <p:sp>
+        <p:nvSpPr>
+          <p:cNvPr id="12" name="TextBox 11">
+            <a:extLst>
+              <a:ext uri="{FF2B5EF4-FFF2-40B4-BE49-F238E27FC236}">
+                <a16:creationId xmlns:a16="http://schemas.microsoft.com/office/drawing/2014/main" id="{A9B6EC61-8DD8-C742-E57E-514765925093}"/>
+              </a:ext>
+            </a:extLst>
+          </p:cNvPr>
+          <p:cNvSpPr txBox="1"/>
+          <p:nvPr/>
+        </p:nvSpPr>
+        <p:spPr>
+          <a:xfrm>
+            <a:off x="6059244" y="4464995"/>
+            <a:ext cx="2896832" cy="523220"/>
+          </a:xfrm>
+          <a:prstGeom prst="rect">
+            <a:avLst/>
+          </a:prstGeom>
+          <a:noFill/>
+        </p:spPr>
+        <p:txBody>
+          <a:bodyPr wrap="square" rtlCol="0">
+            <a:spAutoFit/>
+          </a:bodyPr>
+          <a:lstStyle/>
+          <a:p>
+            <a:r>
+              <a:rPr lang="en-US" sz="2800" dirty="0"/>
+              <a:t>natural recursion</a:t>
+            </a:r>
+          </a:p>
+        </p:txBody>
+      </p:sp>
+    </p:spTree>
+    <p:extLst>
+      <p:ext uri="{BB962C8B-B14F-4D97-AF65-F5344CB8AC3E}">
+        <p14:creationId xmlns:p14="http://schemas.microsoft.com/office/powerpoint/2010/main" val="936420"/>
+      </p:ext>
+    </p:extLst>
+  </p:cSld>
+  <p:clrMapOvr>
+    <a:masterClrMapping/>
+  </p:clrMapOvr>
+</p:sld>
+</file>
+
+<file path=ppt/slides/slide5.xml><?xml version="1.0" encoding="utf-8"?>
+<p:sld xmlns:a="http://schemas.openxmlformats.org/drawingml/2006/main" xmlns:r="http://schemas.openxmlformats.org/officeDocument/2006/relationships" xmlns:p="http://schemas.openxmlformats.org/presentationml/2006/main">
+  <p:cSld>
+    <p:spTree>
+      <p:nvGrpSpPr>
+        <p:cNvPr id="1" name=""/>
+        <p:cNvGrpSpPr/>
+        <p:nvPr/>
+      </p:nvGrpSpPr>
+      <p:grpSpPr>
+        <a:xfrm>
+          <a:off x="0" y="0"/>
+          <a:ext cx="0" cy="0"/>
+          <a:chOff x="0" y="0"/>
+          <a:chExt cx="0" cy="0"/>
+        </a:xfrm>
+      </p:grpSpPr>
+      <p:pic>
+        <p:nvPicPr>
+          <p:cNvPr id="4" name="Picture 3">
+            <a:extLst>
+              <a:ext uri="{FF2B5EF4-FFF2-40B4-BE49-F238E27FC236}">
+                <a16:creationId xmlns:a16="http://schemas.microsoft.com/office/drawing/2014/main" id="{C6AD5096-C207-7172-3219-9CD229104D06}"/>
+              </a:ext>
+            </a:extLst>
+          </p:cNvPr>
+          <p:cNvPicPr>
+            <a:picLocks noChangeAspect="1"/>
+          </p:cNvPicPr>
+          <p:nvPr/>
+        </p:nvPicPr>
+        <p:blipFill>
+          <a:blip r:embed="rId2"/>
+          <a:stretch>
+            <a:fillRect/>
+          </a:stretch>
+        </p:blipFill>
+        <p:spPr>
+          <a:xfrm>
+            <a:off x="685800" y="2373561"/>
+            <a:ext cx="7772400" cy="4114800"/>
+          </a:xfrm>
+          <a:prstGeom prst="rect">
+            <a:avLst/>
+          </a:prstGeom>
+        </p:spPr>
+      </p:pic>
+    </p:spTree>
+    <p:extLst>
+      <p:ext uri="{BB962C8B-B14F-4D97-AF65-F5344CB8AC3E}">
+        <p14:creationId xmlns:p14="http://schemas.microsoft.com/office/powerpoint/2010/main" val="444123346"/>
+      </p:ext>
+    </p:extLst>
+  </p:cSld>
+  <p:clrMapOvr>
+    <a:masterClrMapping/>
+  </p:clrMapOvr>
+</p:sld>
+</file>
+
+<file path=ppt/slides/slide6.xml><?xml version="1.0" encoding="utf-8"?>
+<p:sld xmlns:a="http://schemas.openxmlformats.org/drawingml/2006/main" xmlns:r="http://schemas.openxmlformats.org/officeDocument/2006/relationships" xmlns:p="http://schemas.openxmlformats.org/presentationml/2006/main">
+  <p:cSld>
+    <p:spTree>
+      <p:nvGrpSpPr>
+        <p:cNvPr id="1" name=""/>
+        <p:cNvGrpSpPr/>
+        <p:nvPr/>
+      </p:nvGrpSpPr>
+      <p:grpSpPr>
+        <a:xfrm>
+          <a:off x="0" y="0"/>
+          <a:ext cx="0" cy="0"/>
+          <a:chOff x="0" y="0"/>
+          <a:chExt cx="0" cy="0"/>
+        </a:xfrm>
+      </p:grpSpPr>
+      <p:pic>
+        <p:nvPicPr>
+          <p:cNvPr id="3" name="Picture 2">
+            <a:extLst>
+              <a:ext uri="{FF2B5EF4-FFF2-40B4-BE49-F238E27FC236}">
+                <a16:creationId xmlns:a16="http://schemas.microsoft.com/office/drawing/2014/main" id="{596E782D-3091-7AE6-BC72-75594704B8D4}"/>
+              </a:ext>
+            </a:extLst>
+          </p:cNvPr>
+          <p:cNvPicPr>
+            <a:picLocks noChangeAspect="1"/>
+          </p:cNvPicPr>
+          <p:nvPr/>
+        </p:nvPicPr>
+        <p:blipFill>
+          <a:blip r:embed="rId2"/>
+          <a:stretch>
+            <a:fillRect/>
+          </a:stretch>
+        </p:blipFill>
+        <p:spPr>
+          <a:xfrm>
+            <a:off x="685800" y="2373551"/>
+            <a:ext cx="7772400" cy="4114800"/>
+          </a:xfrm>
+          <a:prstGeom prst="rect">
+            <a:avLst/>
+          </a:prstGeom>
+        </p:spPr>
+      </p:pic>
+      <p:cxnSp>
+        <p:nvCxnSpPr>
+          <p:cNvPr id="4" name="Straight Arrow Connector 3">
+            <a:extLst>
+              <a:ext uri="{FF2B5EF4-FFF2-40B4-BE49-F238E27FC236}">
+                <a16:creationId xmlns:a16="http://schemas.microsoft.com/office/drawing/2014/main" id="{41E7CFBA-EA6A-D98F-0D7E-E3302DA565A8}"/>
+              </a:ext>
+            </a:extLst>
+          </p:cNvPr>
+          <p:cNvCxnSpPr/>
+          <p:nvPr/>
+        </p:nvCxnSpPr>
+        <p:spPr>
+          <a:xfrm flipH="1">
+            <a:off x="4834647" y="3628419"/>
+            <a:ext cx="1128408" cy="350196"/>
+          </a:xfrm>
+          <a:prstGeom prst="straightConnector1">
+            <a:avLst/>
+          </a:prstGeom>
+          <a:ln w="28575">
+            <a:tailEnd type="arrow"/>
+          </a:ln>
+        </p:spPr>
+        <p:style>
+          <a:lnRef idx="1">
+            <a:schemeClr val="accent1"/>
+          </a:lnRef>
+          <a:fillRef idx="0">
+            <a:schemeClr val="accent1"/>
+          </a:fillRef>
+          <a:effectRef idx="0">
+            <a:schemeClr val="accent1"/>
+          </a:effectRef>
+          <a:fontRef idx="minor">
+            <a:schemeClr val="tx1"/>
+          </a:fontRef>
+        </p:style>
+      </p:cxnSp>
+      <p:sp>
+        <p:nvSpPr>
+          <p:cNvPr id="5" name="TextBox 4">
+            <a:extLst>
+              <a:ext uri="{FF2B5EF4-FFF2-40B4-BE49-F238E27FC236}">
+                <a16:creationId xmlns:a16="http://schemas.microsoft.com/office/drawing/2014/main" id="{B292AD9C-AD6F-9EA4-966F-2C03C7B3936B}"/>
+              </a:ext>
+            </a:extLst>
+          </p:cNvPr>
+          <p:cNvSpPr txBox="1"/>
+          <p:nvPr/>
+        </p:nvSpPr>
+        <p:spPr>
+          <a:xfrm>
+            <a:off x="6113497" y="3366809"/>
+            <a:ext cx="2583031" cy="523220"/>
+          </a:xfrm>
+          <a:prstGeom prst="rect">
+            <a:avLst/>
+          </a:prstGeom>
+          <a:noFill/>
+        </p:spPr>
+        <p:txBody>
+          <a:bodyPr wrap="square" rtlCol="0">
+            <a:spAutoFit/>
+          </a:bodyPr>
+          <a:lstStyle/>
+          <a:p>
+            <a:r>
+              <a:rPr lang="en-US" sz="2800" dirty="0"/>
+              <a:t>base case result</a:t>
+            </a:r>
+          </a:p>
+        </p:txBody>
+      </p:sp>
+      <p:sp>
+        <p:nvSpPr>
+          <p:cNvPr id="7" name="TextBox 6">
+            <a:extLst>
+              <a:ext uri="{FF2B5EF4-FFF2-40B4-BE49-F238E27FC236}">
+                <a16:creationId xmlns:a16="http://schemas.microsoft.com/office/drawing/2014/main" id="{EF7C7FCF-B4C7-EA8C-40C5-E242D61DD1E4}"/>
+              </a:ext>
+            </a:extLst>
+          </p:cNvPr>
+          <p:cNvSpPr txBox="1"/>
+          <p:nvPr/>
+        </p:nvSpPr>
+        <p:spPr>
+          <a:xfrm>
+            <a:off x="6113497" y="4362061"/>
+            <a:ext cx="2583031" cy="523220"/>
+          </a:xfrm>
+          <a:prstGeom prst="rect">
+            <a:avLst/>
+          </a:prstGeom>
+          <a:noFill/>
+        </p:spPr>
+        <p:txBody>
+          <a:bodyPr wrap="square" rtlCol="0">
+            <a:spAutoFit/>
+          </a:bodyPr>
+          <a:lstStyle/>
+          <a:p>
+            <a:r>
+              <a:rPr lang="en-US" sz="2800" dirty="0"/>
+              <a:t>combination</a:t>
+            </a:r>
+          </a:p>
+        </p:txBody>
+      </p:sp>
+      <p:cxnSp>
+        <p:nvCxnSpPr>
+          <p:cNvPr id="12" name="Straight Arrow Connector 11">
+            <a:extLst>
+              <a:ext uri="{FF2B5EF4-FFF2-40B4-BE49-F238E27FC236}">
+                <a16:creationId xmlns:a16="http://schemas.microsoft.com/office/drawing/2014/main" id="{A8C0F68D-E3D4-7E32-0E7A-263D8C590819}"/>
+              </a:ext>
+            </a:extLst>
+          </p:cNvPr>
+          <p:cNvCxnSpPr>
+            <a:cxnSpLocks/>
+          </p:cNvCxnSpPr>
+          <p:nvPr/>
+        </p:nvCxnSpPr>
+        <p:spPr>
+          <a:xfrm flipH="1">
+            <a:off x="2604412" y="4562633"/>
+            <a:ext cx="3270757" cy="641310"/>
+          </a:xfrm>
+          <a:prstGeom prst="straightConnector1">
+            <a:avLst/>
+          </a:prstGeom>
+          <a:ln w="28575">
+            <a:tailEnd type="arrow"/>
+          </a:ln>
+        </p:spPr>
+        <p:style>
+          <a:lnRef idx="1">
+            <a:schemeClr val="accent1"/>
+          </a:lnRef>
+          <a:fillRef idx="0">
+            <a:schemeClr val="accent1"/>
+          </a:fillRef>
+          <a:effectRef idx="0">
+            <a:schemeClr val="accent1"/>
+          </a:effectRef>
+          <a:fontRef idx="minor">
+            <a:schemeClr val="tx1"/>
+          </a:fontRef>
+        </p:style>
+      </p:cxnSp>
+      <p:sp>
+        <p:nvSpPr>
+          <p:cNvPr id="13" name="TextBox 12">
+            <a:extLst>
+              <a:ext uri="{FF2B5EF4-FFF2-40B4-BE49-F238E27FC236}">
+                <a16:creationId xmlns:a16="http://schemas.microsoft.com/office/drawing/2014/main" id="{1C7BFB41-CC08-09C1-1286-17AB1FE85F53}"/>
+              </a:ext>
+            </a:extLst>
+          </p:cNvPr>
+          <p:cNvSpPr txBox="1"/>
+          <p:nvPr/>
+        </p:nvSpPr>
+        <p:spPr>
+          <a:xfrm>
+            <a:off x="2141216" y="220946"/>
+            <a:ext cx="4699440" cy="523220"/>
+          </a:xfrm>
+          <a:prstGeom prst="rect">
+            <a:avLst/>
+          </a:prstGeom>
+          <a:noFill/>
+        </p:spPr>
+        <p:txBody>
+          <a:bodyPr wrap="square" rtlCol="0">
+            <a:spAutoFit/>
+          </a:bodyPr>
+          <a:lstStyle/>
+          <a:p>
+            <a:r>
+              <a:rPr lang="en-US" sz="2800" dirty="0"/>
+              <a:t>Trusting the Natural Recursion</a:t>
+            </a:r>
+          </a:p>
+        </p:txBody>
+      </p:sp>
+      <p:sp>
+        <p:nvSpPr>
+          <p:cNvPr id="20" name="TextBox 19">
+            <a:extLst>
+              <a:ext uri="{FF2B5EF4-FFF2-40B4-BE49-F238E27FC236}">
+                <a16:creationId xmlns:a16="http://schemas.microsoft.com/office/drawing/2014/main" id="{E9BFC301-84C4-1E2A-DCCA-00138538A355}"/>
+              </a:ext>
+            </a:extLst>
+          </p:cNvPr>
+          <p:cNvSpPr txBox="1"/>
+          <p:nvPr/>
+        </p:nvSpPr>
+        <p:spPr>
+          <a:xfrm>
+            <a:off x="282102" y="822811"/>
+            <a:ext cx="8861898" cy="1569660"/>
+          </a:xfrm>
+          <a:prstGeom prst="rect">
+            <a:avLst/>
+          </a:prstGeom>
+          <a:noFill/>
+        </p:spPr>
+        <p:txBody>
+          <a:bodyPr wrap="square" rtlCol="0">
+            <a:spAutoFit/>
+          </a:bodyPr>
+          <a:lstStyle/>
+          <a:p>
+            <a:r>
+              <a:rPr lang="en-US" sz="2400" dirty="0">
+                <a:solidFill>
+                  <a:srgbClr val="FF0000"/>
+                </a:solidFill>
+              </a:rPr>
+              <a:t>result of natural recursion (RNR) will be correct </a:t>
+            </a:r>
+            <a:r>
+              <a:rPr lang="en-US" sz="2400" u="sng" dirty="0">
+                <a:solidFill>
+                  <a:srgbClr val="FF0000"/>
+                </a:solidFill>
+              </a:rPr>
+              <a:t>if and only if </a:t>
+            </a:r>
+            <a:endParaRPr lang="en-US" sz="2400" dirty="0">
+              <a:solidFill>
+                <a:srgbClr val="FF0000"/>
+              </a:solidFill>
+            </a:endParaRPr>
+          </a:p>
+          <a:p>
+            <a:r>
+              <a:rPr lang="en-US" sz="2400" dirty="0">
+                <a:solidFill>
+                  <a:srgbClr val="FF0000"/>
+                </a:solidFill>
+              </a:rPr>
+              <a:t>  - correct base case result </a:t>
+            </a:r>
+          </a:p>
+          <a:p>
+            <a:r>
+              <a:rPr lang="en-US" sz="2400" dirty="0">
+                <a:solidFill>
+                  <a:srgbClr val="FF0000"/>
+                </a:solidFill>
+              </a:rPr>
+              <a:t>  - correct contribution of first</a:t>
+            </a:r>
+          </a:p>
+          <a:p>
+            <a:r>
+              <a:rPr lang="en-US" sz="2400" dirty="0">
+                <a:solidFill>
+                  <a:srgbClr val="FF0000"/>
+                </a:solidFill>
+              </a:rPr>
+              <a:t>  - correct combination of contribution and RNR</a:t>
+            </a:r>
+          </a:p>
+        </p:txBody>
+      </p:sp>
+      <p:sp>
+        <p:nvSpPr>
+          <p:cNvPr id="24" name="TextBox 23">
+            <a:extLst>
+              <a:ext uri="{FF2B5EF4-FFF2-40B4-BE49-F238E27FC236}">
+                <a16:creationId xmlns:a16="http://schemas.microsoft.com/office/drawing/2014/main" id="{7B41E396-D07A-0983-8BAB-7C60D55EC46C}"/>
+              </a:ext>
+            </a:extLst>
+          </p:cNvPr>
+          <p:cNvSpPr txBox="1"/>
+          <p:nvPr/>
+        </p:nvSpPr>
+        <p:spPr>
+          <a:xfrm>
+            <a:off x="6113497" y="3838643"/>
+            <a:ext cx="3190672" cy="369332"/>
+          </a:xfrm>
+          <a:prstGeom prst="rect">
+            <a:avLst/>
+          </a:prstGeom>
+          <a:noFill/>
+        </p:spPr>
+        <p:txBody>
+          <a:bodyPr wrap="square" rtlCol="0">
+            <a:spAutoFit/>
+          </a:bodyPr>
+          <a:lstStyle/>
+          <a:p>
+            <a:r>
+              <a:rPr lang="en-US" dirty="0"/>
+              <a:t>correct result for empty</a:t>
+            </a:r>
+          </a:p>
+        </p:txBody>
+      </p:sp>
+      <p:sp>
+        <p:nvSpPr>
+          <p:cNvPr id="25" name="TextBox 24">
+            <a:extLst>
+              <a:ext uri="{FF2B5EF4-FFF2-40B4-BE49-F238E27FC236}">
+                <a16:creationId xmlns:a16="http://schemas.microsoft.com/office/drawing/2014/main" id="{15EFFB8B-72E5-23D6-2D1C-19E31BFECE25}"/>
+              </a:ext>
+            </a:extLst>
+          </p:cNvPr>
+          <p:cNvSpPr txBox="1"/>
+          <p:nvPr/>
+        </p:nvSpPr>
+        <p:spPr>
+          <a:xfrm>
+            <a:off x="6113497" y="4839278"/>
+            <a:ext cx="3190672" cy="646331"/>
+          </a:xfrm>
+          <a:prstGeom prst="rect">
+            <a:avLst/>
+          </a:prstGeom>
+          <a:noFill/>
+        </p:spPr>
+        <p:txBody>
+          <a:bodyPr wrap="square" rtlCol="0">
+            <a:spAutoFit/>
+          </a:bodyPr>
+          <a:lstStyle/>
+          <a:p>
+            <a:r>
+              <a:rPr lang="en-US" dirty="0"/>
+              <a:t>how to combine (first </a:t>
+            </a:r>
+            <a:r>
+              <a:rPr lang="en-US" dirty="0" err="1"/>
+              <a:t>los</a:t>
+            </a:r>
+            <a:r>
+              <a:rPr lang="en-US" dirty="0"/>
+              <a:t>) and result of natural recursion</a:t>
+            </a:r>
+          </a:p>
+        </p:txBody>
+      </p:sp>
+    </p:spTree>
+    <p:extLst>
+      <p:ext uri="{BB962C8B-B14F-4D97-AF65-F5344CB8AC3E}">
+        <p14:creationId xmlns:p14="http://schemas.microsoft.com/office/powerpoint/2010/main" val="3530100401"/>
+      </p:ext>
+    </p:extLst>
+  </p:cSld>
+  <p:clrMapOvr>
+    <a:masterClrMapping/>
+  </p:clrMapOvr>
+</p:sld>
+</file>
+
+<file path=ppt/slides/slide7.xml><?xml version="1.0" encoding="utf-8"?>
+<p:sld xmlns:a="http://schemas.openxmlformats.org/drawingml/2006/main" xmlns:r="http://schemas.openxmlformats.org/officeDocument/2006/relationships" xmlns:p="http://schemas.openxmlformats.org/presentationml/2006/main">
+  <p:cSld>
+    <p:spTree>
+      <p:nvGrpSpPr>
+        <p:cNvPr id="1" name=""/>
+        <p:cNvGrpSpPr/>
+        <p:nvPr/>
+      </p:nvGrpSpPr>
+      <p:grpSpPr>
+        <a:xfrm>
+          <a:off x="0" y="0"/>
+          <a:ext cx="0" cy="0"/>
+          <a:chOff x="0" y="0"/>
+          <a:chExt cx="0" cy="0"/>
+        </a:xfrm>
+      </p:grpSpPr>
+      <p:pic>
+        <p:nvPicPr>
+          <p:cNvPr id="5" name="Picture 4">
+            <a:extLst>
+              <a:ext uri="{FF2B5EF4-FFF2-40B4-BE49-F238E27FC236}">
+                <a16:creationId xmlns:a16="http://schemas.microsoft.com/office/drawing/2014/main" id="{A1ABD00E-FEAB-9C18-4685-46893BE066C3}"/>
+              </a:ext>
+            </a:extLst>
+          </p:cNvPr>
+          <p:cNvPicPr>
+            <a:picLocks noChangeAspect="1"/>
+          </p:cNvPicPr>
+          <p:nvPr/>
+        </p:nvPicPr>
+        <p:blipFill rotWithShape="1">
+          <a:blip r:embed="rId2"/>
+          <a:srcRect b="53745"/>
+          <a:stretch/>
+        </p:blipFill>
+        <p:spPr>
+          <a:xfrm>
+            <a:off x="826174" y="2431753"/>
+            <a:ext cx="4533766" cy="1994493"/>
+          </a:xfrm>
+          <a:prstGeom prst="rect">
+            <a:avLst/>
+          </a:prstGeom>
+        </p:spPr>
+      </p:pic>
+      <p:sp>
+        <p:nvSpPr>
+          <p:cNvPr id="3" name="TextBox 2">
+            <a:extLst>
+              <a:ext uri="{FF2B5EF4-FFF2-40B4-BE49-F238E27FC236}">
+                <a16:creationId xmlns:a16="http://schemas.microsoft.com/office/drawing/2014/main" id="{7F09F2DA-8B98-18C8-D933-9293B29AA5A8}"/>
+              </a:ext>
+            </a:extLst>
+          </p:cNvPr>
+          <p:cNvSpPr txBox="1"/>
+          <p:nvPr/>
+        </p:nvSpPr>
+        <p:spPr>
+          <a:xfrm>
+            <a:off x="4790874" y="3383072"/>
+            <a:ext cx="2888437" cy="369332"/>
+          </a:xfrm>
+          <a:prstGeom prst="rect">
+            <a:avLst/>
+          </a:prstGeom>
+          <a:noFill/>
+        </p:spPr>
+        <p:txBody>
+          <a:bodyPr wrap="square" rtlCol="0">
+            <a:spAutoFit/>
+          </a:bodyPr>
+          <a:lstStyle/>
+          <a:p>
+            <a:r>
+              <a:rPr lang="en-US" dirty="0">
+                <a:solidFill>
+                  <a:srgbClr val="FF0000"/>
+                </a:solidFill>
+              </a:rPr>
+              <a:t>one or more base subclass</a:t>
+            </a:r>
+          </a:p>
+        </p:txBody>
+      </p:sp>
+      <p:sp>
+        <p:nvSpPr>
+          <p:cNvPr id="6" name="TextBox 5">
+            <a:extLst>
+              <a:ext uri="{FF2B5EF4-FFF2-40B4-BE49-F238E27FC236}">
+                <a16:creationId xmlns:a16="http://schemas.microsoft.com/office/drawing/2014/main" id="{23B55FB3-D0F0-064F-E685-FA25048C42AF}"/>
+              </a:ext>
+            </a:extLst>
+          </p:cNvPr>
+          <p:cNvSpPr txBox="1"/>
+          <p:nvPr/>
+        </p:nvSpPr>
+        <p:spPr>
+          <a:xfrm>
+            <a:off x="4790873" y="3824443"/>
+            <a:ext cx="4174787" cy="369332"/>
+          </a:xfrm>
+          <a:prstGeom prst="rect">
+            <a:avLst/>
+          </a:prstGeom>
+          <a:noFill/>
+        </p:spPr>
+        <p:txBody>
+          <a:bodyPr wrap="square" rtlCol="0">
+            <a:spAutoFit/>
+          </a:bodyPr>
+          <a:lstStyle/>
+          <a:p>
+            <a:r>
+              <a:rPr lang="en-US" dirty="0">
+                <a:solidFill>
+                  <a:srgbClr val="FF0000"/>
+                </a:solidFill>
+              </a:rPr>
+              <a:t>one or more self-reference subclasses</a:t>
+            </a:r>
+          </a:p>
+        </p:txBody>
+      </p:sp>
+      <p:sp>
+        <p:nvSpPr>
+          <p:cNvPr id="8" name="TextBox 7">
+            <a:extLst>
+              <a:ext uri="{FF2B5EF4-FFF2-40B4-BE49-F238E27FC236}">
+                <a16:creationId xmlns:a16="http://schemas.microsoft.com/office/drawing/2014/main" id="{AA703BAA-5AC0-5DE2-E02E-3FDA397D5E01}"/>
+              </a:ext>
+            </a:extLst>
+          </p:cNvPr>
+          <p:cNvSpPr txBox="1"/>
+          <p:nvPr/>
+        </p:nvSpPr>
+        <p:spPr>
+          <a:xfrm>
+            <a:off x="264270" y="1530643"/>
+            <a:ext cx="8471168" cy="369332"/>
+          </a:xfrm>
+          <a:prstGeom prst="rect">
+            <a:avLst/>
+          </a:prstGeom>
+          <a:noFill/>
+        </p:spPr>
+        <p:txBody>
+          <a:bodyPr wrap="square" rtlCol="0">
+            <a:spAutoFit/>
+          </a:bodyPr>
+          <a:lstStyle/>
+          <a:p>
+            <a:r>
+              <a:rPr lang="en-US" dirty="0">
+                <a:solidFill>
+                  <a:srgbClr val="FF0000"/>
+                </a:solidFill>
+              </a:rPr>
+              <a:t>arbitrary-sized information -&gt; requires well-formed self-referential data definition</a:t>
+            </a:r>
+          </a:p>
+        </p:txBody>
+      </p:sp>
+      <p:sp>
+        <p:nvSpPr>
+          <p:cNvPr id="10" name="TextBox 9">
+            <a:extLst>
+              <a:ext uri="{FF2B5EF4-FFF2-40B4-BE49-F238E27FC236}">
+                <a16:creationId xmlns:a16="http://schemas.microsoft.com/office/drawing/2014/main" id="{0681C69F-3145-EFF7-4C8B-88F04B37F4C5}"/>
+              </a:ext>
+            </a:extLst>
+          </p:cNvPr>
+          <p:cNvSpPr txBox="1"/>
+          <p:nvPr/>
+        </p:nvSpPr>
+        <p:spPr>
+          <a:xfrm>
+            <a:off x="4790874" y="2932517"/>
+            <a:ext cx="2888437" cy="369332"/>
+          </a:xfrm>
+          <a:prstGeom prst="rect">
+            <a:avLst/>
+          </a:prstGeom>
+          <a:noFill/>
+        </p:spPr>
+        <p:txBody>
+          <a:bodyPr wrap="square" rtlCol="0">
+            <a:spAutoFit/>
+          </a:bodyPr>
+          <a:lstStyle/>
+          <a:p>
+            <a:r>
+              <a:rPr lang="en-US" dirty="0">
+                <a:solidFill>
+                  <a:srgbClr val="FF0000"/>
+                </a:solidFill>
+              </a:rPr>
+              <a:t>one of with:</a:t>
+            </a:r>
+          </a:p>
+        </p:txBody>
+      </p:sp>
+    </p:spTree>
+    <p:extLst>
+      <p:ext uri="{BB962C8B-B14F-4D97-AF65-F5344CB8AC3E}">
+        <p14:creationId xmlns:p14="http://schemas.microsoft.com/office/powerpoint/2010/main" val="718013593"/>
+      </p:ext>
+    </p:extLst>
+  </p:cSld>
+  <p:clrMapOvr>
+    <a:masterClrMapping/>
+  </p:clrMapOvr>
+</p:sld>
+</file>
+
+<file path=ppt/slides/slide8.xml><?xml version="1.0" encoding="utf-8"?>
+<p:sld xmlns:a="http://schemas.openxmlformats.org/drawingml/2006/main" xmlns:r="http://schemas.openxmlformats.org/officeDocument/2006/relationships" xmlns:p="http://schemas.openxmlformats.org/presentationml/2006/main">
+  <p:cSld>
+    <p:spTree>
+      <p:nvGrpSpPr>
+        <p:cNvPr id="1" name=""/>
+        <p:cNvGrpSpPr/>
+        <p:nvPr/>
+      </p:nvGrpSpPr>
+      <p:grpSpPr>
+        <a:xfrm>
+          <a:off x="0" y="0"/>
+          <a:ext cx="0" cy="0"/>
+          <a:chOff x="0" y="0"/>
+          <a:chExt cx="0" cy="0"/>
+        </a:xfrm>
+      </p:grpSpPr>
+      <p:pic>
+        <p:nvPicPr>
+          <p:cNvPr id="2" name="Picture 1">
+            <a:extLst>
+              <a:ext uri="{FF2B5EF4-FFF2-40B4-BE49-F238E27FC236}">
+                <a16:creationId xmlns:a16="http://schemas.microsoft.com/office/drawing/2014/main" id="{C87E96E2-9616-EF07-4D07-1E4DCB6D04AF}"/>
+              </a:ext>
+            </a:extLst>
+          </p:cNvPr>
+          <p:cNvPicPr>
+            <a:picLocks noChangeAspect="1"/>
+          </p:cNvPicPr>
+          <p:nvPr/>
+        </p:nvPicPr>
+        <p:blipFill>
+          <a:blip r:embed="rId2"/>
+          <a:stretch>
+            <a:fillRect/>
+          </a:stretch>
+        </p:blipFill>
+        <p:spPr>
+          <a:xfrm>
+            <a:off x="685800" y="483243"/>
+            <a:ext cx="7772400" cy="5230026"/>
+          </a:xfrm>
+          <a:prstGeom prst="rect">
+            <a:avLst/>
+          </a:prstGeom>
+        </p:spPr>
+      </p:pic>
+      <p:sp>
+        <p:nvSpPr>
+          <p:cNvPr id="3" name="TextBox 2">
+            <a:extLst>
+              <a:ext uri="{FF2B5EF4-FFF2-40B4-BE49-F238E27FC236}">
+                <a16:creationId xmlns:a16="http://schemas.microsoft.com/office/drawing/2014/main" id="{7F09F2DA-8B98-18C8-D933-9293B29AA5A8}"/>
+              </a:ext>
+            </a:extLst>
+          </p:cNvPr>
+          <p:cNvSpPr txBox="1"/>
+          <p:nvPr/>
+        </p:nvSpPr>
+        <p:spPr>
+          <a:xfrm>
+            <a:off x="5530174" y="670886"/>
+            <a:ext cx="2373549" cy="369332"/>
+          </a:xfrm>
+          <a:prstGeom prst="rect">
+            <a:avLst/>
+          </a:prstGeom>
+          <a:noFill/>
+        </p:spPr>
+        <p:txBody>
+          <a:bodyPr wrap="square" rtlCol="0">
+            <a:spAutoFit/>
+          </a:bodyPr>
+          <a:lstStyle/>
+          <a:p>
+            <a:r>
+              <a:rPr lang="en-US" dirty="0">
+                <a:solidFill>
+                  <a:srgbClr val="FF0000"/>
+                </a:solidFill>
+              </a:rPr>
+              <a:t>test base case first</a:t>
+            </a:r>
+          </a:p>
+        </p:txBody>
+      </p:sp>
+      <p:sp>
+        <p:nvSpPr>
+          <p:cNvPr id="6" name="TextBox 5">
+            <a:extLst>
+              <a:ext uri="{FF2B5EF4-FFF2-40B4-BE49-F238E27FC236}">
+                <a16:creationId xmlns:a16="http://schemas.microsoft.com/office/drawing/2014/main" id="{23B55FB3-D0F0-064F-E685-FA25048C42AF}"/>
+              </a:ext>
+            </a:extLst>
+          </p:cNvPr>
+          <p:cNvSpPr txBox="1"/>
+          <p:nvPr/>
+        </p:nvSpPr>
+        <p:spPr>
+          <a:xfrm>
+            <a:off x="4969213" y="1966525"/>
+            <a:ext cx="4174787" cy="646331"/>
+          </a:xfrm>
+          <a:prstGeom prst="rect">
+            <a:avLst/>
+          </a:prstGeom>
+          <a:noFill/>
+        </p:spPr>
+        <p:txBody>
+          <a:bodyPr wrap="square" rtlCol="0">
+            <a:spAutoFit/>
+          </a:bodyPr>
+          <a:lstStyle/>
+          <a:p>
+            <a:r>
+              <a:rPr lang="en-US" dirty="0">
+                <a:solidFill>
+                  <a:srgbClr val="FF0000"/>
+                </a:solidFill>
+              </a:rPr>
+              <a:t>test 2 long</a:t>
+            </a:r>
+          </a:p>
+          <a:p>
+            <a:r>
+              <a:rPr lang="en-US" dirty="0">
+                <a:solidFill>
+                  <a:srgbClr val="FF0000"/>
+                </a:solidFill>
+              </a:rPr>
+              <a:t>test recursion on both sides of conditional</a:t>
+            </a:r>
+          </a:p>
+        </p:txBody>
+      </p:sp>
+      <p:sp>
+        <p:nvSpPr>
+          <p:cNvPr id="4" name="TextBox 3">
+            <a:extLst>
+              <a:ext uri="{FF2B5EF4-FFF2-40B4-BE49-F238E27FC236}">
+                <a16:creationId xmlns:a16="http://schemas.microsoft.com/office/drawing/2014/main" id="{103A63C8-DFEE-A7F2-9F25-4E007855E403}"/>
+              </a:ext>
+            </a:extLst>
+          </p:cNvPr>
+          <p:cNvSpPr txBox="1"/>
+          <p:nvPr/>
+        </p:nvSpPr>
+        <p:spPr>
+          <a:xfrm>
+            <a:off x="4790874" y="3539163"/>
+            <a:ext cx="4174787" cy="369332"/>
+          </a:xfrm>
+          <a:prstGeom prst="rect">
+            <a:avLst/>
+          </a:prstGeom>
+          <a:noFill/>
+        </p:spPr>
+        <p:txBody>
+          <a:bodyPr wrap="square" rtlCol="0">
+            <a:spAutoFit/>
+          </a:bodyPr>
+          <a:lstStyle/>
+          <a:p>
+            <a:r>
+              <a:rPr lang="en-US" dirty="0">
+                <a:solidFill>
+                  <a:srgbClr val="FF0000"/>
+                </a:solidFill>
+              </a:rPr>
+              <a:t>rename natural recursion when templating</a:t>
+            </a:r>
+          </a:p>
+        </p:txBody>
+      </p:sp>
+      <p:sp>
+        <p:nvSpPr>
+          <p:cNvPr id="7" name="TextBox 6">
+            <a:extLst>
+              <a:ext uri="{FF2B5EF4-FFF2-40B4-BE49-F238E27FC236}">
+                <a16:creationId xmlns:a16="http://schemas.microsoft.com/office/drawing/2014/main" id="{B9E15A1C-8DF6-F4F4-298A-5CD10F9F479A}"/>
+              </a:ext>
+            </a:extLst>
+          </p:cNvPr>
+          <p:cNvSpPr txBox="1"/>
+          <p:nvPr/>
+        </p:nvSpPr>
+        <p:spPr>
+          <a:xfrm>
+            <a:off x="2431105" y="5576258"/>
+            <a:ext cx="5076215" cy="1200329"/>
+          </a:xfrm>
+          <a:prstGeom prst="rect">
+            <a:avLst/>
+          </a:prstGeom>
+          <a:noFill/>
+        </p:spPr>
+        <p:txBody>
+          <a:bodyPr wrap="square" rtlCol="0">
+            <a:spAutoFit/>
+          </a:bodyPr>
+          <a:lstStyle/>
+          <a:p>
+            <a:r>
+              <a:rPr lang="en-US" dirty="0">
+                <a:solidFill>
+                  <a:srgbClr val="FF0000"/>
+                </a:solidFill>
+              </a:rPr>
+              <a:t>can "trust the natural recursion” if and only if:</a:t>
+            </a:r>
+            <a:br>
+              <a:rPr lang="en-US" dirty="0">
+                <a:solidFill>
+                  <a:srgbClr val="FF0000"/>
+                </a:solidFill>
+              </a:rPr>
+            </a:br>
+            <a:r>
+              <a:rPr lang="en-US" dirty="0">
+                <a:solidFill>
+                  <a:srgbClr val="FF0000"/>
+                </a:solidFill>
+              </a:rPr>
+              <a:t>   - correct base case result</a:t>
+            </a:r>
+          </a:p>
+          <a:p>
+            <a:r>
+              <a:rPr lang="en-US" dirty="0">
+                <a:solidFill>
+                  <a:srgbClr val="FF0000"/>
+                </a:solidFill>
+              </a:rPr>
+              <a:t>   - correct contribution of first</a:t>
+            </a:r>
+          </a:p>
+          <a:p>
+            <a:r>
+              <a:rPr lang="en-US" dirty="0">
+                <a:solidFill>
+                  <a:srgbClr val="FF0000"/>
+                </a:solidFill>
+              </a:rPr>
+              <a:t>   - </a:t>
+            </a:r>
+            <a:r>
+              <a:rPr lang="en-US" dirty="0" err="1">
+                <a:solidFill>
+                  <a:srgbClr val="FF0000"/>
+                </a:solidFill>
+              </a:rPr>
+              <a:t>correc</a:t>
+            </a:r>
+            <a:r>
+              <a:rPr lang="en-US" dirty="0">
+                <a:solidFill>
+                  <a:srgbClr val="FF0000"/>
+                </a:solidFill>
+              </a:rPr>
+              <a:t> combination</a:t>
+            </a:r>
+          </a:p>
+        </p:txBody>
+      </p:sp>
+      <p:sp>
+        <p:nvSpPr>
+          <p:cNvPr id="8" name="TextBox 7">
+            <a:extLst>
+              <a:ext uri="{FF2B5EF4-FFF2-40B4-BE49-F238E27FC236}">
+                <a16:creationId xmlns:a16="http://schemas.microsoft.com/office/drawing/2014/main" id="{AA703BAA-5AC0-5DE2-E02E-3FDA397D5E01}"/>
+              </a:ext>
+            </a:extLst>
+          </p:cNvPr>
+          <p:cNvSpPr txBox="1"/>
+          <p:nvPr/>
+        </p:nvSpPr>
+        <p:spPr>
+          <a:xfrm>
+            <a:off x="264270" y="42150"/>
+            <a:ext cx="8471168" cy="369332"/>
+          </a:xfrm>
+          <a:prstGeom prst="rect">
+            <a:avLst/>
+          </a:prstGeom>
+          <a:noFill/>
+        </p:spPr>
+        <p:txBody>
+          <a:bodyPr wrap="square" rtlCol="0">
+            <a:spAutoFit/>
+          </a:bodyPr>
+          <a:lstStyle/>
+          <a:p>
+            <a:r>
+              <a:rPr lang="en-US" dirty="0">
+                <a:solidFill>
+                  <a:srgbClr val="FF0000"/>
+                </a:solidFill>
+              </a:rPr>
+              <a:t>arbitrary-sized information -&gt; requires self-referential data definition</a:t>
+            </a:r>
+          </a:p>
+        </p:txBody>
+      </p:sp>
+    </p:spTree>
+    <p:extLst>
+      <p:ext uri="{BB962C8B-B14F-4D97-AF65-F5344CB8AC3E}">
+        <p14:creationId xmlns:p14="http://schemas.microsoft.com/office/powerpoint/2010/main" val="273724266"/>
+      </p:ext>
+    </p:extLst>
+  </p:cSld>
+  <p:clrMapOvr>
+    <a:masterClrMapping/>
+  </p:clrMapOvr>
+</p:sld>
+</file>
+
+<file path=ppt/slides/slide9.xml><?xml version="1.0" encoding="utf-8"?>
+<p:sld xmlns:a="http://schemas.openxmlformats.org/drawingml/2006/main" xmlns:r="http://schemas.openxmlformats.org/officeDocument/2006/relationships" xmlns:p="http://schemas.openxmlformats.org/presentationml/2006/main">
+  <p:cSld>
+    <p:spTree>
+      <p:nvGrpSpPr>
+        <p:cNvPr id="1" name=""/>
+        <p:cNvGrpSpPr/>
+        <p:nvPr/>
+      </p:nvGrpSpPr>
+      <p:grpSpPr>
+        <a:xfrm>
+          <a:off x="0" y="0"/>
+          <a:ext cx="0" cy="0"/>
+          <a:chOff x="0" y="0"/>
+          <a:chExt cx="0" cy="0"/>
+        </a:xfrm>
+      </p:grpSpPr>
+      <p:graphicFrame>
+        <p:nvGraphicFramePr>
+          <p:cNvPr id="2" name="Table 2">
+            <a:extLst>
+              <a:ext uri="{FF2B5EF4-FFF2-40B4-BE49-F238E27FC236}">
+                <a16:creationId xmlns:a16="http://schemas.microsoft.com/office/drawing/2014/main" id="{C7AAE944-9B9E-2A1A-9543-DA8D9574F695}"/>
+              </a:ext>
+            </a:extLst>
+          </p:cNvPr>
+          <p:cNvGraphicFramePr>
+            <a:graphicFrameLocks noGrp="1"/>
+          </p:cNvGraphicFramePr>
+          <p:nvPr>
+            <p:extLst>
+              <p:ext uri="{D42A27DB-BD31-4B8C-83A1-F6EECF244321}">
+                <p14:modId xmlns:p14="http://schemas.microsoft.com/office/powerpoint/2010/main" val="863462439"/>
+              </p:ext>
+            </p:extLst>
+          </p:nvPr>
+        </p:nvGraphicFramePr>
+        <p:xfrm>
+          <a:off x="428016" y="1397000"/>
+          <a:ext cx="8482519" cy="2590800"/>
+        </p:xfrm>
+        <a:graphic>
+          <a:graphicData uri="http://schemas.openxmlformats.org/drawingml/2006/table">
+            <a:tbl>
+              <a:tblPr firstRow="1" bandRow="1">
+                <a:tableStyleId>{F5AB1C69-6EDB-4FF4-983F-18BD219EF322}</a:tableStyleId>
+              </a:tblPr>
+              <a:tblGrid>
+                <a:gridCol w="1750980">
+                  <a:extLst>
+                    <a:ext uri="{9D8B030D-6E8A-4147-A177-3AD203B41FA5}">
+                      <a16:colId xmlns:a16="http://schemas.microsoft.com/office/drawing/2014/main" val="167768130"/>
+                    </a:ext>
+                  </a:extLst>
+                </a:gridCol>
+                <a:gridCol w="2791838">
+                  <a:extLst>
+                    <a:ext uri="{9D8B030D-6E8A-4147-A177-3AD203B41FA5}">
+                      <a16:colId xmlns:a16="http://schemas.microsoft.com/office/drawing/2014/main" val="2579470436"/>
+                    </a:ext>
+                  </a:extLst>
+                </a:gridCol>
+                <a:gridCol w="3939701">
+                  <a:extLst>
+                    <a:ext uri="{9D8B030D-6E8A-4147-A177-3AD203B41FA5}">
+                      <a16:colId xmlns:a16="http://schemas.microsoft.com/office/drawing/2014/main" val="2107031783"/>
+                    </a:ext>
+                  </a:extLst>
+                </a:gridCol>
+              </a:tblGrid>
+              <a:tr h="370840">
+                <a:tc>
+                  <a:txBody>
+                    <a:bodyPr/>
+                    <a:lstStyle/>
+                    <a:p>
+                      <a:r>
+                        <a:rPr lang="en-US" sz="2800" dirty="0"/>
+                        <a:t>Function</a:t>
+                      </a:r>
+                    </a:p>
+                  </a:txBody>
+                  <a:tcPr/>
+                </a:tc>
+                <a:tc>
+                  <a:txBody>
+                    <a:bodyPr/>
+                    <a:lstStyle/>
+                    <a:p>
+                      <a:r>
+                        <a:rPr lang="en-US" sz="2800" dirty="0"/>
+                        <a:t>Base case result</a:t>
+                      </a:r>
+                    </a:p>
+                  </a:txBody>
+                  <a:tcPr/>
+                </a:tc>
+                <a:tc>
+                  <a:txBody>
+                    <a:bodyPr/>
+                    <a:lstStyle/>
+                    <a:p>
+                      <a:r>
+                        <a:rPr lang="en-US" sz="2800" dirty="0"/>
+                        <a:t>Combination</a:t>
+                      </a:r>
+                    </a:p>
+                  </a:txBody>
+                  <a:tcPr/>
+                </a:tc>
+                <a:extLst>
+                  <a:ext uri="{0D108BD9-81ED-4DB2-BD59-A6C34878D82A}">
+                    <a16:rowId xmlns:a16="http://schemas.microsoft.com/office/drawing/2014/main" val="104725758"/>
+                  </a:ext>
+                </a:extLst>
+              </a:tr>
+              <a:tr h="370840">
+                <a:tc>
+                  <a:txBody>
+                    <a:bodyPr/>
+                    <a:lstStyle/>
+                    <a:p>
+                      <a:endParaRPr lang="en-US" sz="2800" dirty="0"/>
+                    </a:p>
+                  </a:txBody>
+                  <a:tcPr/>
+                </a:tc>
+                <a:tc>
+                  <a:txBody>
+                    <a:bodyPr/>
+                    <a:lstStyle/>
+                    <a:p>
+                      <a:endParaRPr lang="en-US" sz="2800" dirty="0"/>
+                    </a:p>
+                  </a:txBody>
+                  <a:tcPr/>
+                </a:tc>
+                <a:tc>
+                  <a:txBody>
+                    <a:bodyPr/>
+                    <a:lstStyle/>
+                    <a:p>
+                      <a:endParaRPr lang="en-US" sz="2800" dirty="0"/>
+                    </a:p>
+                  </a:txBody>
+                  <a:tcPr/>
+                </a:tc>
+                <a:extLst>
+                  <a:ext uri="{0D108BD9-81ED-4DB2-BD59-A6C34878D82A}">
+                    <a16:rowId xmlns:a16="http://schemas.microsoft.com/office/drawing/2014/main" val="434018631"/>
+                  </a:ext>
+                </a:extLst>
+              </a:tr>
+              <a:tr h="370840">
+                <a:tc>
+                  <a:txBody>
+                    <a:bodyPr/>
+                    <a:lstStyle/>
+                    <a:p>
+                      <a:endParaRPr lang="en-US" sz="2800" dirty="0"/>
+                    </a:p>
+                  </a:txBody>
+                  <a:tcPr/>
+                </a:tc>
+                <a:tc>
+                  <a:txBody>
+                    <a:bodyPr/>
+                    <a:lstStyle/>
+                    <a:p>
+                      <a:endParaRPr lang="en-US" sz="2800" dirty="0"/>
+                    </a:p>
+                  </a:txBody>
+                  <a:tcPr/>
+                </a:tc>
+                <a:tc>
+                  <a:txBody>
+                    <a:bodyPr/>
+                    <a:lstStyle/>
+                    <a:p>
+                      <a:endParaRPr lang="en-US" sz="2800" dirty="0"/>
+                    </a:p>
+                  </a:txBody>
+                  <a:tcPr/>
+                </a:tc>
+                <a:extLst>
+                  <a:ext uri="{0D108BD9-81ED-4DB2-BD59-A6C34878D82A}">
+                    <a16:rowId xmlns:a16="http://schemas.microsoft.com/office/drawing/2014/main" val="693891116"/>
+                  </a:ext>
+                </a:extLst>
+              </a:tr>
+              <a:tr h="370840">
+                <a:tc>
+                  <a:txBody>
+                    <a:bodyPr/>
+                    <a:lstStyle/>
+                    <a:p>
+                      <a:endParaRPr lang="en-US" sz="2800" dirty="0"/>
+                    </a:p>
+                  </a:txBody>
+                  <a:tcPr/>
+                </a:tc>
+                <a:tc>
+                  <a:txBody>
+                    <a:bodyPr/>
+                    <a:lstStyle/>
+                    <a:p>
+                      <a:endParaRPr lang="en-US" sz="2800" dirty="0"/>
+                    </a:p>
+                  </a:txBody>
+                  <a:tcPr/>
+                </a:tc>
+                <a:tc>
+                  <a:txBody>
+                    <a:bodyPr/>
+                    <a:lstStyle/>
+                    <a:p>
+                      <a:endParaRPr lang="en-US" sz="2800" dirty="0"/>
+                    </a:p>
+                  </a:txBody>
+                  <a:tcPr/>
+                </a:tc>
+                <a:extLst>
+                  <a:ext uri="{0D108BD9-81ED-4DB2-BD59-A6C34878D82A}">
+                    <a16:rowId xmlns:a16="http://schemas.microsoft.com/office/drawing/2014/main" val="1308955687"/>
+                  </a:ext>
+                </a:extLst>
+              </a:tr>
+              <a:tr h="370840">
+                <a:tc>
+                  <a:txBody>
+                    <a:bodyPr/>
+                    <a:lstStyle/>
+                    <a:p>
+                      <a:endParaRPr lang="en-US" sz="2800" dirty="0"/>
+                    </a:p>
+                  </a:txBody>
+                  <a:tcPr/>
+                </a:tc>
+                <a:tc>
+                  <a:txBody>
+                    <a:bodyPr/>
+                    <a:lstStyle/>
+                    <a:p>
+                      <a:endParaRPr lang="en-US" sz="2800" dirty="0"/>
+                    </a:p>
+                  </a:txBody>
+                  <a:tcPr/>
+                </a:tc>
+                <a:tc>
+                  <a:txBody>
+                    <a:bodyPr/>
+                    <a:lstStyle/>
+                    <a:p>
+                      <a:endParaRPr lang="en-US" sz="2800" dirty="0"/>
+                    </a:p>
+                  </a:txBody>
+                  <a:tcPr/>
+                </a:tc>
+                <a:extLst>
+                  <a:ext uri="{0D108BD9-81ED-4DB2-BD59-A6C34878D82A}">
+                    <a16:rowId xmlns:a16="http://schemas.microsoft.com/office/drawing/2014/main" val="3166874194"/>
+                  </a:ext>
+                </a:extLst>
+              </a:tr>
+            </a:tbl>
+          </a:graphicData>
+        </a:graphic>
+      </p:graphicFrame>
+    </p:spTree>
+    <p:extLst>
+      <p:ext uri="{BB962C8B-B14F-4D97-AF65-F5344CB8AC3E}">
+        <p14:creationId xmlns:p14="http://schemas.microsoft.com/office/powerpoint/2010/main" val="1624495933"/>
+      </p:ext>
+    </p:extLst>
+  </p:cSld>
+  <p:clrMapOvr>
+    <a:masterClrMapping/>
+  </p:clrMapOvr>
+</p:sld>
+</file>
+
 <file path=ppt/theme/theme1.xml><?xml version="1.0" encoding="utf-8"?>
 <a:theme xmlns:a="http://schemas.openxmlformats.org/drawingml/2006/main" name="Office Theme">
   <a:themeElements>
@@ -5438,4 +6034,299 @@
     </a:ext>
   </a:extLst>
 </a:theme>
+</file>
+
+<file path=ppt/theme/theme2.xml><?xml version="1.0" encoding="utf-8"?>
+<a:theme xmlns:a="http://schemas.openxmlformats.org/drawingml/2006/main" name="Office Theme">
+  <a:themeElements>
+    <a:clrScheme name="Office">
+      <a:dk1>
+        <a:sysClr val="windowText" lastClr="000000"/>
+      </a:dk1>
+      <a:lt1>
+        <a:sysClr val="window" lastClr="FFFFFF"/>
+      </a:lt1>
+      <a:dk2>
+        <a:srgbClr val="44546A"/>
+      </a:dk2>
+      <a:lt2>
+        <a:srgbClr val="E7E6E6"/>
+      </a:lt2>
+      <a:accent1>
+        <a:srgbClr val="4472C4"/>
+      </a:accent1>
+      <a:accent2>
+        <a:srgbClr val="ED7D31"/>
+      </a:accent2>
+      <a:accent3>
+        <a:srgbClr val="A5A5A5"/>
+      </a:accent3>
+      <a:accent4>
+        <a:srgbClr val="FFC000"/>
+      </a:accent4>
+      <a:accent5>
+        <a:srgbClr val="5B9BD5"/>
+      </a:accent5>
+      <a:accent6>
+        <a:srgbClr val="70AD47"/>
+      </a:accent6>
+      <a:hlink>
+        <a:srgbClr val="0563C1"/>
+      </a:hlink>
+      <a:folHlink>
+        <a:srgbClr val="954F72"/>
+      </a:folHlink>
+    </a:clrScheme>
+    <a:fontScheme name="Office">
+      <a:majorFont>
+        <a:latin typeface="Calibri Light" panose="020F0302020204030204"/>
+        <a:ea typeface=""/>
+        <a:cs typeface=""/>
+        <a:font script="Jpan" typeface="游ゴシック Light"/>
+        <a:font script="Hang" typeface="맑은 고딕"/>
+        <a:font script="Hans" typeface="等线 Light"/>
+        <a:font script="Hant" typeface="新細明體"/>
+        <a:font script="Arab" typeface="Times New Roman"/>
+        <a:font script="Hebr" typeface="Times New Roman"/>
+        <a:font script="Thai" typeface="Angsana New"/>
+        <a:font script="Ethi" typeface="Nyala"/>
+        <a:font script="Beng" typeface="Vrinda"/>
+        <a:font script="Gujr" typeface="Shruti"/>
+        <a:font script="Khmr" typeface="MoolBoran"/>
+        <a:font script="Knda" typeface="Tunga"/>
+        <a:font script="Guru" typeface="Raavi"/>
+        <a:font script="Cans" typeface="Euphemia"/>
+        <a:font script="Cher" typeface="Plantagenet Cherokee"/>
+        <a:font script="Yiii" typeface="Microsoft Yi Baiti"/>
+        <a:font script="Tibt" typeface="Microsoft Himalaya"/>
+        <a:font script="Thaa" typeface="MV Boli"/>
+        <a:font script="Deva" typeface="Mangal"/>
+        <a:font script="Telu" typeface="Gautami"/>
+        <a:font script="Taml" typeface="Latha"/>
+        <a:font script="Syrc" typeface="Estrangelo Edessa"/>
+        <a:font script="Orya" typeface="Kalinga"/>
+        <a:font script="Mlym" typeface="Kartika"/>
+        <a:font script="Laoo" typeface="DokChampa"/>
+        <a:font script="Sinh" typeface="Iskoola Pota"/>
+        <a:font script="Mong" typeface="Mongolian Baiti"/>
+        <a:font script="Viet" typeface="Times New Roman"/>
+        <a:font script="Uigh" typeface="Microsoft Uighur"/>
+        <a:font script="Geor" typeface="Sylfaen"/>
+        <a:font script="Armn" typeface="Arial"/>
+        <a:font script="Bugi" typeface="Leelawadee UI"/>
+        <a:font script="Bopo" typeface="Microsoft JhengHei"/>
+        <a:font script="Java" typeface="Javanese Text"/>
+        <a:font script="Lisu" typeface="Segoe UI"/>
+        <a:font script="Mymr" typeface="Myanmar Text"/>
+        <a:font script="Nkoo" typeface="Ebrima"/>
+        <a:font script="Olck" typeface="Nirmala UI"/>
+        <a:font script="Osma" typeface="Ebrima"/>
+        <a:font script="Phag" typeface="Phagspa"/>
+        <a:font script="Syrn" typeface="Estrangelo Edessa"/>
+        <a:font script="Syrj" typeface="Estrangelo Edessa"/>
+        <a:font script="Syre" typeface="Estrangelo Edessa"/>
+        <a:font script="Sora" typeface="Nirmala UI"/>
+        <a:font script="Tale" typeface="Microsoft Tai Le"/>
+        <a:font script="Talu" typeface="Microsoft New Tai Lue"/>
+        <a:font script="Tfng" typeface="Ebrima"/>
+      </a:majorFont>
+      <a:minorFont>
+        <a:latin typeface="Calibri" panose="020F0502020204030204"/>
+        <a:ea typeface=""/>
+        <a:cs typeface=""/>
+        <a:font script="Jpan" typeface="游ゴシック"/>
+        <a:font script="Hang" typeface="맑은 고딕"/>
+        <a:font script="Hans" typeface="等线"/>
+        <a:font script="Hant" typeface="新細明體"/>
+        <a:font script="Arab" typeface="Arial"/>
+        <a:font script="Hebr" typeface="Arial"/>
+        <a:font script="Thai" typeface="Cordia New"/>
+        <a:font script="Ethi" typeface="Nyala"/>
+        <a:font script="Beng" typeface="Vrinda"/>
+        <a:font script="Gujr" typeface="Shruti"/>
+        <a:font script="Khmr" typeface="DaunPenh"/>
+        <a:font script="Knda" typeface="Tunga"/>
+        <a:font script="Guru" typeface="Raavi"/>
+        <a:font script="Cans" typeface="Euphemia"/>
+        <a:font script="Cher" typeface="Plantagenet Cherokee"/>
+        <a:font script="Yiii" typeface="Microsoft Yi Baiti"/>
+        <a:font script="Tibt" typeface="Microsoft Himalaya"/>
+        <a:font script="Thaa" typeface="MV Boli"/>
+        <a:font script="Deva" typeface="Mangal"/>
+        <a:font script="Telu" typeface="Gautami"/>
+        <a:font script="Taml" typeface="Latha"/>
+        <a:font script="Syrc" typeface="Estrangelo Edessa"/>
+        <a:font script="Orya" typeface="Kalinga"/>
+        <a:font script="Mlym" typeface="Kartika"/>
+        <a:font script="Laoo" typeface="DokChampa"/>
+        <a:font script="Sinh" typeface="Iskoola Pota"/>
+        <a:font script="Mong" typeface="Mongolian Baiti"/>
+        <a:font script="Viet" typeface="Arial"/>
+        <a:font script="Uigh" typeface="Microsoft Uighur"/>
+        <a:font script="Geor" typeface="Sylfaen"/>
+        <a:font script="Armn" typeface="Arial"/>
+        <a:font script="Bugi" typeface="Leelawadee UI"/>
+        <a:font script="Bopo" typeface="Microsoft JhengHei"/>
+        <a:font script="Java" typeface="Javanese Text"/>
+        <a:font script="Lisu" typeface="Segoe UI"/>
+        <a:font script="Mymr" typeface="Myanmar Text"/>
+        <a:font script="Nkoo" typeface="Ebrima"/>
+        <a:font script="Olck" typeface="Nirmala UI"/>
+        <a:font script="Osma" typeface="Ebrima"/>
+        <a:font script="Phag" typeface="Phagspa"/>
+        <a:font script="Syrn" typeface="Estrangelo Edessa"/>
+        <a:font script="Syrj" typeface="Estrangelo Edessa"/>
+        <a:font script="Syre" typeface="Estrangelo Edessa"/>
+        <a:font script="Sora" typeface="Nirmala UI"/>
+        <a:font script="Tale" typeface="Microsoft Tai Le"/>
+        <a:font script="Talu" typeface="Microsoft New Tai Lue"/>
+        <a:font script="Tfng" typeface="Ebrima"/>
+      </a:minorFont>
+    </a:fontScheme>
+    <a:fmtScheme name="Office">
+      <a:fillStyleLst>
+        <a:solidFill>
+          <a:schemeClr val="phClr"/>
+        </a:solidFill>
+        <a:gradFill rotWithShape="1">
+          <a:gsLst>
+            <a:gs pos="0">
+              <a:schemeClr val="phClr">
+                <a:lumMod val="110000"/>
+                <a:satMod val="105000"/>
+                <a:tint val="67000"/>
+              </a:schemeClr>
+            </a:gs>
+            <a:gs pos="50000">
+              <a:schemeClr val="phClr">
+                <a:lumMod val="105000"/>
+                <a:satMod val="103000"/>
+                <a:tint val="73000"/>
+              </a:schemeClr>
+            </a:gs>
+            <a:gs pos="100000">
+              <a:schemeClr val="phClr">
+                <a:lumMod val="105000"/>
+                <a:satMod val="109000"/>
+                <a:tint val="81000"/>
+              </a:schemeClr>
+            </a:gs>
+          </a:gsLst>
+          <a:lin ang="5400000" scaled="0"/>
+        </a:gradFill>
+        <a:gradFill rotWithShape="1">
+          <a:gsLst>
+            <a:gs pos="0">
+              <a:schemeClr val="phClr">
+                <a:satMod val="103000"/>
+                <a:lumMod val="102000"/>
+                <a:tint val="94000"/>
+              </a:schemeClr>
+            </a:gs>
+            <a:gs pos="50000">
+              <a:schemeClr val="phClr">
+                <a:satMod val="110000"/>
+                <a:lumMod val="100000"/>
+                <a:shade val="100000"/>
+              </a:schemeClr>
+            </a:gs>
+            <a:gs pos="100000">
+              <a:schemeClr val="phClr">
+                <a:lumMod val="99000"/>
+                <a:satMod val="120000"/>
+                <a:shade val="78000"/>
+              </a:schemeClr>
+            </a:gs>
+          </a:gsLst>
+          <a:lin ang="5400000" scaled="0"/>
+        </a:gradFill>
+      </a:fillStyleLst>
+      <a:lnStyleLst>
+        <a:ln w="6350" cap="flat" cmpd="sng" algn="ctr">
+          <a:solidFill>
+            <a:schemeClr val="phClr"/>
+          </a:solidFill>
+          <a:prstDash val="solid"/>
+          <a:miter lim="800000"/>
+        </a:ln>
+        <a:ln w="12700" cap="flat" cmpd="sng" algn="ctr">
+          <a:solidFill>
+            <a:schemeClr val="phClr"/>
+          </a:solidFill>
+          <a:prstDash val="solid"/>
+          <a:miter lim="800000"/>
+        </a:ln>
+        <a:ln w="19050" cap="flat" cmpd="sng" algn="ctr">
+          <a:solidFill>
+            <a:schemeClr val="phClr"/>
+          </a:solidFill>
+          <a:prstDash val="solid"/>
+          <a:miter lim="800000"/>
+        </a:ln>
+      </a:lnStyleLst>
+      <a:effectStyleLst>
+        <a:effectStyle>
+          <a:effectLst/>
+        </a:effectStyle>
+        <a:effectStyle>
+          <a:effectLst/>
+        </a:effectStyle>
+        <a:effectStyle>
+          <a:effectLst>
+            <a:outerShdw blurRad="57150" dist="19050" dir="5400000" algn="ctr" rotWithShape="0">
+              <a:srgbClr val="000000">
+                <a:alpha val="63000"/>
+              </a:srgbClr>
+            </a:outerShdw>
+          </a:effectLst>
+        </a:effectStyle>
+      </a:effectStyleLst>
+      <a:bgFillStyleLst>
+        <a:solidFill>
+          <a:schemeClr val="phClr"/>
+        </a:solidFill>
+        <a:solidFill>
+          <a:schemeClr val="phClr">
+            <a:tint val="95000"/>
+            <a:satMod val="170000"/>
+          </a:schemeClr>
+        </a:solidFill>
+        <a:gradFill rotWithShape="1">
+          <a:gsLst>
+            <a:gs pos="0">
+              <a:schemeClr val="phClr">
+                <a:tint val="93000"/>
+                <a:satMod val="150000"/>
+                <a:shade val="98000"/>
+                <a:lumMod val="102000"/>
+              </a:schemeClr>
+            </a:gs>
+            <a:gs pos="50000">
+              <a:schemeClr val="phClr">
+                <a:tint val="98000"/>
+                <a:satMod val="130000"/>
+                <a:shade val="90000"/>
+                <a:lumMod val="103000"/>
+              </a:schemeClr>
+            </a:gs>
+            <a:gs pos="100000">
+              <a:schemeClr val="phClr">
+                <a:shade val="63000"/>
+                <a:satMod val="120000"/>
+              </a:schemeClr>
+            </a:gs>
+          </a:gsLst>
+          <a:lin ang="5400000" scaled="0"/>
+        </a:gradFill>
+      </a:bgFillStyleLst>
+    </a:fmtScheme>
+  </a:themeElements>
+  <a:objectDefaults/>
+  <a:extraClrSchemeLst/>
+  <a:extLst>
+    <a:ext uri="{05A4C25C-085E-4340-85A3-A5531E510DB2}">
+      <thm15:themeFamily xmlns:thm15="http://schemas.microsoft.com/office/thememl/2012/main" name="Office Theme" id="{62F939B6-93AF-4DB8-9C6B-D6C7DFDC589F}" vid="{4A3C46E8-61CC-4603-A589-7422A47A8E4A}"/>
+    </a:ext>
+  </a:extLst>
+</a:theme>
 </file>